--- a/TDD_Misconceptions.pptx
+++ b/TDD_Misconceptions.pptx
@@ -5,7 +5,7 @@
     <p:sldMasterId id="2147483648" r:id="rId1"/>
   </p:sldMasterIdLst>
   <p:notesMasterIdLst>
-    <p:notesMasterId r:id="rId30"/>
+    <p:notesMasterId r:id="rId32"/>
   </p:notesMasterIdLst>
   <p:sldIdLst>
     <p:sldId id="256" r:id="rId2"/>
@@ -15,27 +15,29 @@
     <p:sldId id="259" r:id="rId6"/>
     <p:sldId id="260" r:id="rId7"/>
     <p:sldId id="267" r:id="rId8"/>
-    <p:sldId id="263" r:id="rId9"/>
-    <p:sldId id="265" r:id="rId10"/>
-    <p:sldId id="268" r:id="rId11"/>
-    <p:sldId id="262" r:id="rId12"/>
-    <p:sldId id="261" r:id="rId13"/>
-    <p:sldId id="269" r:id="rId14"/>
-    <p:sldId id="270" r:id="rId15"/>
-    <p:sldId id="271" r:id="rId16"/>
-    <p:sldId id="273" r:id="rId17"/>
-    <p:sldId id="274" r:id="rId18"/>
-    <p:sldId id="275" r:id="rId19"/>
-    <p:sldId id="276" r:id="rId20"/>
-    <p:sldId id="277" r:id="rId21"/>
-    <p:sldId id="279" r:id="rId22"/>
-    <p:sldId id="282" r:id="rId23"/>
-    <p:sldId id="283" r:id="rId24"/>
-    <p:sldId id="284" r:id="rId25"/>
-    <p:sldId id="285" r:id="rId26"/>
-    <p:sldId id="286" r:id="rId27"/>
-    <p:sldId id="287" r:id="rId28"/>
-    <p:sldId id="278" r:id="rId29"/>
+    <p:sldId id="289" r:id="rId9"/>
+    <p:sldId id="263" r:id="rId10"/>
+    <p:sldId id="265" r:id="rId11"/>
+    <p:sldId id="268" r:id="rId12"/>
+    <p:sldId id="290" r:id="rId13"/>
+    <p:sldId id="262" r:id="rId14"/>
+    <p:sldId id="261" r:id="rId15"/>
+    <p:sldId id="269" r:id="rId16"/>
+    <p:sldId id="270" r:id="rId17"/>
+    <p:sldId id="271" r:id="rId18"/>
+    <p:sldId id="273" r:id="rId19"/>
+    <p:sldId id="274" r:id="rId20"/>
+    <p:sldId id="275" r:id="rId21"/>
+    <p:sldId id="276" r:id="rId22"/>
+    <p:sldId id="277" r:id="rId23"/>
+    <p:sldId id="279" r:id="rId24"/>
+    <p:sldId id="282" r:id="rId25"/>
+    <p:sldId id="283" r:id="rId26"/>
+    <p:sldId id="284" r:id="rId27"/>
+    <p:sldId id="285" r:id="rId28"/>
+    <p:sldId id="286" r:id="rId29"/>
+    <p:sldId id="287" r:id="rId30"/>
+    <p:sldId id="288" r:id="rId31"/>
   </p:sldIdLst>
   <p:sldSz cx="12192000" cy="6858000"/>
   <p:notesSz cx="6858000" cy="9144000"/>
@@ -146,6 +148,7 @@
             <p14:sldId id="259"/>
             <p14:sldId id="260"/>
             <p14:sldId id="267"/>
+            <p14:sldId id="289"/>
           </p14:sldIdLst>
         </p14:section>
         <p14:section name="Untitled Section" id="{3B461ACA-3D5A-4184-8068-0E1B1337FEF5}">
@@ -153,6 +156,7 @@
             <p14:sldId id="263"/>
             <p14:sldId id="265"/>
             <p14:sldId id="268"/>
+            <p14:sldId id="290"/>
             <p14:sldId id="262"/>
             <p14:sldId id="261"/>
             <p14:sldId id="269"/>
@@ -170,7 +174,7 @@
             <p14:sldId id="285"/>
             <p14:sldId id="286"/>
             <p14:sldId id="287"/>
-            <p14:sldId id="278"/>
+            <p14:sldId id="288"/>
           </p14:sldIdLst>
         </p14:section>
       </p14:sectionLst>
@@ -264,7 +268,7 @@
           <a:p>
             <a:fld id="{97509A83-0660-724E-8EDB-E3E4FC87472A}" type="datetimeFigureOut">
               <a:rPr lang="en-DE" smtClean="0"/>
-              <a:t>07/08/2021</a:t>
+              <a:t>19.09.21</a:t>
             </a:fld>
             <a:endParaRPr lang="en-DE"/>
           </a:p>
@@ -681,7 +685,7 @@
           <a:p>
             <a:fld id="{1F7C1DAF-EB28-5240-AC2D-5379958D0F93}" type="slidenum">
               <a:rPr lang="en-DE" smtClean="0"/>
-              <a:t>16</a:t>
+              <a:t>18</a:t>
             </a:fld>
             <a:endParaRPr lang="en-DE"/>
           </a:p>
@@ -768,7 +772,7 @@
           <a:p>
             <a:fld id="{1F7C1DAF-EB28-5240-AC2D-5379958D0F93}" type="slidenum">
               <a:rPr lang="en-DE" smtClean="0"/>
-              <a:t>17</a:t>
+              <a:t>19</a:t>
             </a:fld>
             <a:endParaRPr lang="en-DE"/>
           </a:p>
@@ -855,7 +859,7 @@
           <a:p>
             <a:fld id="{1F7C1DAF-EB28-5240-AC2D-5379958D0F93}" type="slidenum">
               <a:rPr lang="en-DE" smtClean="0"/>
-              <a:t>19</a:t>
+              <a:t>21</a:t>
             </a:fld>
             <a:endParaRPr lang="en-DE"/>
           </a:p>
@@ -939,7 +943,7 @@
           <a:p>
             <a:fld id="{1F7C1DAF-EB28-5240-AC2D-5379958D0F93}" type="slidenum">
               <a:rPr lang="en-DE" smtClean="0"/>
-              <a:t>20</a:t>
+              <a:t>22</a:t>
             </a:fld>
             <a:endParaRPr lang="en-DE"/>
           </a:p>
@@ -1023,7 +1027,7 @@
           <a:p>
             <a:fld id="{1F7C1DAF-EB28-5240-AC2D-5379958D0F93}" type="slidenum">
               <a:rPr lang="en-DE" smtClean="0"/>
-              <a:t>21</a:t>
+              <a:t>23</a:t>
             </a:fld>
             <a:endParaRPr lang="en-DE"/>
           </a:p>
@@ -1107,7 +1111,7 @@
           <a:p>
             <a:fld id="{1F7C1DAF-EB28-5240-AC2D-5379958D0F93}" type="slidenum">
               <a:rPr lang="en-DE" smtClean="0"/>
-              <a:t>22</a:t>
+              <a:t>24</a:t>
             </a:fld>
             <a:endParaRPr lang="en-DE"/>
           </a:p>
@@ -1228,7 +1232,7 @@
           <a:p>
             <a:fld id="{1F7C1DAF-EB28-5240-AC2D-5379958D0F93}" type="slidenum">
               <a:rPr lang="en-DE" smtClean="0"/>
-              <a:t>23</a:t>
+              <a:t>25</a:t>
             </a:fld>
             <a:endParaRPr lang="en-DE"/>
           </a:p>
@@ -1312,7 +1316,7 @@
           <a:p>
             <a:fld id="{1F7C1DAF-EB28-5240-AC2D-5379958D0F93}" type="slidenum">
               <a:rPr lang="en-DE" smtClean="0"/>
-              <a:t>24</a:t>
+              <a:t>26</a:t>
             </a:fld>
             <a:endParaRPr lang="en-DE"/>
           </a:p>
@@ -1396,7 +1400,7 @@
           <a:p>
             <a:fld id="{1F7C1DAF-EB28-5240-AC2D-5379958D0F93}" type="slidenum">
               <a:rPr lang="en-DE" smtClean="0"/>
-              <a:t>25</a:t>
+              <a:t>27</a:t>
             </a:fld>
             <a:endParaRPr lang="en-DE"/>
           </a:p>
@@ -1480,7 +1484,7 @@
           <a:p>
             <a:fld id="{1F7C1DAF-EB28-5240-AC2D-5379958D0F93}" type="slidenum">
               <a:rPr lang="en-DE" smtClean="0"/>
-              <a:t>26</a:t>
+              <a:t>28</a:t>
             </a:fld>
             <a:endParaRPr lang="en-DE"/>
           </a:p>
@@ -1697,7 +1701,7 @@
           <a:p>
             <a:fld id="{1F7C1DAF-EB28-5240-AC2D-5379958D0F93}" type="slidenum">
               <a:rPr lang="en-DE" smtClean="0"/>
-              <a:t>27</a:t>
+              <a:t>29</a:t>
             </a:fld>
             <a:endParaRPr lang="en-DE"/>
           </a:p>
@@ -1781,7 +1785,7 @@
           <a:p>
             <a:fld id="{1F7C1DAF-EB28-5240-AC2D-5379958D0F93}" type="slidenum">
               <a:rPr lang="en-DE" smtClean="0"/>
-              <a:t>28</a:t>
+              <a:t>30</a:t>
             </a:fld>
             <a:endParaRPr lang="en-DE"/>
           </a:p>
@@ -1790,7 +1794,7 @@
     </p:spTree>
     <p:extLst>
       <p:ext uri="{BB962C8B-B14F-4D97-AF65-F5344CB8AC3E}">
-        <p14:creationId xmlns:p14="http://schemas.microsoft.com/office/powerpoint/2010/main" val="3921557486"/>
+        <p14:creationId xmlns:p14="http://schemas.microsoft.com/office/powerpoint/2010/main" val="2810746517"/>
       </p:ext>
     </p:extLst>
   </p:cSld>
@@ -2126,7 +2130,7 @@
           <a:p>
             <a:fld id="{1F7C1DAF-EB28-5240-AC2D-5379958D0F93}" type="slidenum">
               <a:rPr lang="en-DE" smtClean="0"/>
-              <a:t>10</a:t>
+              <a:t>11</a:t>
             </a:fld>
             <a:endParaRPr lang="en-DE"/>
           </a:p>
@@ -2245,7 +2249,7 @@
           <a:p>
             <a:fld id="{1F7C1DAF-EB28-5240-AC2D-5379958D0F93}" type="slidenum">
               <a:rPr lang="en-DE" smtClean="0"/>
-              <a:t>11</a:t>
+              <a:t>13</a:t>
             </a:fld>
             <a:endParaRPr lang="en-DE"/>
           </a:p>
@@ -2329,7 +2333,7 @@
           <a:p>
             <a:fld id="{1F7C1DAF-EB28-5240-AC2D-5379958D0F93}" type="slidenum">
               <a:rPr lang="en-DE" smtClean="0"/>
-              <a:t>12</a:t>
+              <a:t>14</a:t>
             </a:fld>
             <a:endParaRPr lang="en-DE"/>
           </a:p>
@@ -2434,7 +2438,7 @@
           <a:p>
             <a:fld id="{1F7C1DAF-EB28-5240-AC2D-5379958D0F93}" type="slidenum">
               <a:rPr lang="en-DE" smtClean="0"/>
-              <a:t>13</a:t>
+              <a:t>15</a:t>
             </a:fld>
             <a:endParaRPr lang="en-DE"/>
           </a:p>
@@ -6263,22 +6267,22 @@
         </p:nvSpPr>
         <p:spPr>
           <a:xfrm>
-            <a:off x="1524000" y="5024810"/>
-            <a:ext cx="2765501" cy="461665"/>
+            <a:off x="4453198" y="3901629"/>
+            <a:ext cx="3285601" cy="523220"/>
           </a:xfrm>
           <a:prstGeom prst="rect">
             <a:avLst/>
           </a:prstGeom>
         </p:spPr>
         <p:txBody>
-          <a:bodyPr wrap="none">
+          <a:bodyPr wrap="square">
             <a:spAutoFit/>
           </a:bodyPr>
           <a:lstStyle/>
           <a:p>
             <a:pPr algn="ctr"/>
             <a:r>
-              <a:rPr lang="en-GB" sz="2400" dirty="0">
+              <a:rPr lang="en-GB" sz="2800" dirty="0">
                 <a:solidFill>
                   <a:srgbClr val="FFFFFF"/>
                 </a:solidFill>
@@ -6288,7 +6292,7 @@
               <a:t>Olena </a:t>
             </a:r>
             <a:r>
-              <a:rPr lang="en-GB" sz="2400" dirty="0" err="1">
+              <a:rPr lang="en-GB" sz="2800" dirty="0" err="1">
                 <a:solidFill>
                   <a:srgbClr val="FFFFFF"/>
                 </a:solidFill>
@@ -6297,7 +6301,7 @@
               </a:rPr>
               <a:t>Borzenko</a:t>
             </a:r>
-            <a:endParaRPr lang="en-GB" sz="2400" dirty="0">
+            <a:endParaRPr lang="en-GB" sz="2800" dirty="0">
               <a:solidFill>
                 <a:srgbClr val="FFFFFF"/>
               </a:solidFill>
@@ -6321,87 +6325,40 @@
         </p:nvSpPr>
         <p:spPr>
           <a:xfrm>
-            <a:off x="1523999" y="5486475"/>
-            <a:ext cx="2765501" cy="461665"/>
+            <a:off x="4453199" y="4635868"/>
+            <a:ext cx="3285600" cy="523220"/>
           </a:xfrm>
           <a:prstGeom prst="rect">
             <a:avLst/>
           </a:prstGeom>
         </p:spPr>
         <p:txBody>
-          <a:bodyPr wrap="none">
+          <a:bodyPr wrap="square">
             <a:spAutoFit/>
           </a:bodyPr>
           <a:lstStyle/>
           <a:p>
             <a:r>
-              <a:rPr lang="en-US" sz="2400" dirty="0">
+              <a:rPr lang="en-US" sz="2800" dirty="0">
                 <a:latin typeface="Courier New" panose="02070309020205020404" pitchFamily="49" charset="0"/>
                 <a:cs typeface="Courier New" panose="02070309020205020404" pitchFamily="49" charset="0"/>
               </a:rPr>
               <a:t>@</a:t>
             </a:r>
             <a:r>
-              <a:rPr lang="en-US" sz="2400" dirty="0" err="1">
+              <a:rPr lang="en-US" sz="2800" dirty="0" err="1">
                 <a:latin typeface="Courier New" panose="02070309020205020404" pitchFamily="49" charset="0"/>
                 <a:cs typeface="Courier New" panose="02070309020205020404" pitchFamily="49" charset="0"/>
               </a:rPr>
               <a:t>borzenko_lena</a:t>
             </a:r>
-            <a:endParaRPr lang="en-US" sz="2400" dirty="0">
+            <a:endParaRPr lang="en-US" sz="2800" dirty="0">
               <a:latin typeface="Courier New" panose="02070309020205020404" pitchFamily="49" charset="0"/>
               <a:cs typeface="Courier New" panose="02070309020205020404" pitchFamily="49" charset="0"/>
             </a:endParaRPr>
           </a:p>
         </p:txBody>
       </p:sp>
-      <p:pic>
-        <p:nvPicPr>
-          <p:cNvPr id="1028" name="Picture 4" descr="Teil der Adecco Group">
-            <a:extLst>
-              <a:ext uri="{FF2B5EF4-FFF2-40B4-BE49-F238E27FC236}">
-                <a16:creationId xmlns:a16="http://schemas.microsoft.com/office/drawing/2014/main" id="{19690FB7-A395-4775-BCC2-7C22E544C20E}"/>
-              </a:ext>
-            </a:extLst>
-          </p:cNvPr>
-          <p:cNvPicPr>
-            <a:picLocks noChangeAspect="1" noChangeArrowheads="1"/>
-          </p:cNvPicPr>
-          <p:nvPr/>
-        </p:nvPicPr>
-        <p:blipFill>
-          <a:blip r:embed="rId3">
-            <a:extLst>
-              <a:ext uri="{28A0092B-C50C-407E-A947-70E740481C1C}">
-                <a14:useLocalDpi xmlns:a14="http://schemas.microsoft.com/office/drawing/2010/main" val="0"/>
-              </a:ext>
-            </a:extLst>
-          </a:blip>
-          <a:srcRect/>
-          <a:stretch>
-            <a:fillRect/>
-          </a:stretch>
-        </p:blipFill>
-        <p:spPr bwMode="auto">
-          <a:xfrm>
-            <a:off x="8058831" y="4326954"/>
-            <a:ext cx="3171825" cy="1857375"/>
-          </a:xfrm>
-          <a:prstGeom prst="rect">
-            <a:avLst/>
-          </a:prstGeom>
-          <a:noFill/>
-          <a:extLst>
-            <a:ext uri="{909E8E84-426E-40DD-AFC4-6F175D3DCCD1}">
-              <a14:hiddenFill xmlns:a14="http://schemas.microsoft.com/office/drawing/2010/main">
-                <a:solidFill>
-                  <a:srgbClr val="FFFFFF"/>
-                </a:solidFill>
-              </a14:hiddenFill>
-            </a:ext>
-          </a:extLst>
-        </p:spPr>
-      </p:pic>
     </p:spTree>
     <p:extLst>
       <p:ext uri="{BB962C8B-B14F-4D97-AF65-F5344CB8AC3E}">
@@ -6412,13 +6369,13 @@
   <p:clrMapOvr>
     <a:masterClrMapping/>
   </p:clrMapOvr>
-  <mc:AlternateContent xmlns:mc="http://schemas.openxmlformats.org/markup-compatibility/2006">
-    <mc:Choice xmlns:p14="http://schemas.microsoft.com/office/powerpoint/2010/main" Requires="p14">
+  <mc:AlternateContent xmlns:mc="http://schemas.openxmlformats.org/markup-compatibility/2006" xmlns:p14="http://schemas.microsoft.com/office/powerpoint/2010/main">
+    <mc:Choice Requires="p14">
       <p:transition spd="med" p14:dur="700">
         <p:fade/>
       </p:transition>
     </mc:Choice>
-    <mc:Fallback>
+    <mc:Fallback xmlns="">
       <p:transition spd="med">
         <p:fade/>
       </p:transition>
@@ -6446,6 +6403,124 @@
       </p:grpSpPr>
       <p:sp>
         <p:nvSpPr>
+          <p:cNvPr id="4" name="Date Placeholder 3">
+            <a:extLst>
+              <a:ext uri="{FF2B5EF4-FFF2-40B4-BE49-F238E27FC236}">
+                <a16:creationId xmlns:a16="http://schemas.microsoft.com/office/drawing/2014/main" id="{E9147864-77D7-4564-9957-AEED5EF16DF2}"/>
+              </a:ext>
+            </a:extLst>
+          </p:cNvPr>
+          <p:cNvSpPr>
+            <a:spLocks noGrp="1"/>
+          </p:cNvSpPr>
+          <p:nvPr>
+            <p:ph type="dt" sz="half" idx="10"/>
+          </p:nvPr>
+        </p:nvSpPr>
+        <p:spPr/>
+        <p:txBody>
+          <a:bodyPr/>
+          <a:lstStyle/>
+          <a:p>
+            <a:r>
+              <a:rPr lang="de-DE"/>
+              <a:t>@borzenko_lena</a:t>
+            </a:r>
+            <a:endParaRPr lang="en-DE" dirty="0"/>
+          </a:p>
+        </p:txBody>
+      </p:sp>
+      <p:pic>
+        <p:nvPicPr>
+          <p:cNvPr id="1026" name="Picture 2" descr="Memecrunch: The best meme generator | New">
+            <a:extLst>
+              <a:ext uri="{FF2B5EF4-FFF2-40B4-BE49-F238E27FC236}">
+                <a16:creationId xmlns:a16="http://schemas.microsoft.com/office/drawing/2014/main" id="{0CE7E5DF-644B-4451-892E-9FD3BE75D0A5}"/>
+              </a:ext>
+            </a:extLst>
+          </p:cNvPr>
+          <p:cNvPicPr>
+            <a:picLocks noChangeAspect="1" noChangeArrowheads="1"/>
+          </p:cNvPicPr>
+          <p:nvPr/>
+        </p:nvPicPr>
+        <p:blipFill>
+          <a:blip r:embed="rId2">
+            <a:extLst>
+              <a:ext uri="{28A0092B-C50C-407E-A947-70E740481C1C}">
+                <a14:useLocalDpi xmlns:a14="http://schemas.microsoft.com/office/drawing/2010/main" val="0"/>
+              </a:ext>
+            </a:extLst>
+          </a:blip>
+          <a:srcRect/>
+          <a:stretch>
+            <a:fillRect/>
+          </a:stretch>
+        </p:blipFill>
+        <p:spPr bwMode="auto">
+          <a:xfrm>
+            <a:off x="3314612" y="647612"/>
+            <a:ext cx="5562776" cy="5562776"/>
+          </a:xfrm>
+          <a:prstGeom prst="rect">
+            <a:avLst/>
+          </a:prstGeom>
+          <a:noFill/>
+          <a:extLst>
+            <a:ext uri="{909E8E84-426E-40DD-AFC4-6F175D3DCCD1}">
+              <a14:hiddenFill xmlns:a14="http://schemas.microsoft.com/office/drawing/2010/main">
+                <a:solidFill>
+                  <a:srgbClr val="FFFFFF"/>
+                </a:solidFill>
+              </a14:hiddenFill>
+            </a:ext>
+          </a:extLst>
+        </p:spPr>
+      </p:pic>
+    </p:spTree>
+    <p:extLst>
+      <p:ext uri="{BB962C8B-B14F-4D97-AF65-F5344CB8AC3E}">
+        <p14:creationId xmlns:p14="http://schemas.microsoft.com/office/powerpoint/2010/main" val="4026127797"/>
+      </p:ext>
+    </p:extLst>
+  </p:cSld>
+  <p:clrMapOvr>
+    <a:masterClrMapping/>
+  </p:clrMapOvr>
+  <mc:AlternateContent xmlns:mc="http://schemas.openxmlformats.org/markup-compatibility/2006" xmlns:p14="http://schemas.microsoft.com/office/powerpoint/2010/main">
+    <mc:Choice Requires="p14">
+      <p:transition spd="med" p14:dur="700">
+        <p:fade/>
+      </p:transition>
+    </mc:Choice>
+    <mc:Fallback xmlns="">
+      <p:transition spd="med">
+        <p:fade/>
+      </p:transition>
+    </mc:Fallback>
+  </mc:AlternateContent>
+</p:sld>
+</file>
+
+<file path=ppt/slides/slide11.xml><?xml version="1.0" encoding="utf-8"?>
+<p:sld xmlns:a="http://schemas.openxmlformats.org/drawingml/2006/main" xmlns:r="http://schemas.openxmlformats.org/officeDocument/2006/relationships" xmlns:p="http://schemas.openxmlformats.org/presentationml/2006/main">
+  <p:cSld>
+    <p:spTree>
+      <p:nvGrpSpPr>
+        <p:cNvPr id="1" name=""/>
+        <p:cNvGrpSpPr/>
+        <p:nvPr/>
+      </p:nvGrpSpPr>
+      <p:grpSpPr>
+        <a:xfrm>
+          <a:off x="0" y="0"/>
+          <a:ext cx="0" cy="0"/>
+          <a:chOff x="0" y="0"/>
+          <a:chExt cx="0" cy="0"/>
+        </a:xfrm>
+      </p:grpSpPr>
+      <p:sp>
+        <p:nvSpPr>
           <p:cNvPr id="2" name="Title 1">
             <a:extLst>
               <a:ext uri="{FF2B5EF4-FFF2-40B4-BE49-F238E27FC236}">
@@ -7138,13 +7213,13 @@
   <p:clrMapOvr>
     <a:masterClrMapping/>
   </p:clrMapOvr>
-  <mc:AlternateContent xmlns:mc="http://schemas.openxmlformats.org/markup-compatibility/2006">
-    <mc:Choice xmlns:p14="http://schemas.microsoft.com/office/powerpoint/2010/main" Requires="p14">
+  <mc:AlternateContent xmlns:mc="http://schemas.openxmlformats.org/markup-compatibility/2006" xmlns:p14="http://schemas.microsoft.com/office/powerpoint/2010/main">
+    <mc:Choice Requires="p14">
       <p:transition spd="med" p14:dur="700">
         <p:fade/>
       </p:transition>
     </mc:Choice>
-    <mc:Fallback>
+    <mc:Fallback xmlns="">
       <p:transition spd="med">
         <p:fade/>
       </p:transition>
@@ -7396,7 +7471,125 @@
 </p:sld>
 </file>
 
-<file path=ppt/slides/slide11.xml><?xml version="1.0" encoding="utf-8"?>
+<file path=ppt/slides/slide12.xml><?xml version="1.0" encoding="utf-8"?>
+<p:sld xmlns:a="http://schemas.openxmlformats.org/drawingml/2006/main" xmlns:r="http://schemas.openxmlformats.org/officeDocument/2006/relationships" xmlns:p="http://schemas.openxmlformats.org/presentationml/2006/main">
+  <p:cSld>
+    <p:spTree>
+      <p:nvGrpSpPr>
+        <p:cNvPr id="1" name=""/>
+        <p:cNvGrpSpPr/>
+        <p:nvPr/>
+      </p:nvGrpSpPr>
+      <p:grpSpPr>
+        <a:xfrm>
+          <a:off x="0" y="0"/>
+          <a:ext cx="0" cy="0"/>
+          <a:chOff x="0" y="0"/>
+          <a:chExt cx="0" cy="0"/>
+        </a:xfrm>
+      </p:grpSpPr>
+      <p:sp>
+        <p:nvSpPr>
+          <p:cNvPr id="4" name="Date Placeholder 3">
+            <a:extLst>
+              <a:ext uri="{FF2B5EF4-FFF2-40B4-BE49-F238E27FC236}">
+                <a16:creationId xmlns:a16="http://schemas.microsoft.com/office/drawing/2014/main" id="{AF0B19A7-260C-E840-80D6-C49D61BFE66C}"/>
+              </a:ext>
+            </a:extLst>
+          </p:cNvPr>
+          <p:cNvSpPr>
+            <a:spLocks noGrp="1"/>
+          </p:cNvSpPr>
+          <p:nvPr>
+            <p:ph type="dt" sz="half" idx="10"/>
+          </p:nvPr>
+        </p:nvSpPr>
+        <p:spPr/>
+        <p:txBody>
+          <a:bodyPr/>
+          <a:lstStyle/>
+          <a:p>
+            <a:r>
+              <a:rPr lang="de-DE"/>
+              <a:t>@borzenko_lena</a:t>
+            </a:r>
+            <a:endParaRPr lang="en-DE" dirty="0"/>
+          </a:p>
+        </p:txBody>
+      </p:sp>
+      <p:pic>
+        <p:nvPicPr>
+          <p:cNvPr id="3074" name="Picture 2" descr="I͛P͛h͛o͛n͛e͛G͛a͛l͛a͛x͛y͛M͛D͛ 11K͛ ar Twitter: “Junior Developer vs Senior  Developer #programmer #programming #coding #developer #code #coder #angular  #meme #java #javascript #python #webdeveloper #css #software #html  #computerscience #webdesign ...">
+            <a:extLst>
+              <a:ext uri="{FF2B5EF4-FFF2-40B4-BE49-F238E27FC236}">
+                <a16:creationId xmlns:a16="http://schemas.microsoft.com/office/drawing/2014/main" id="{D16B2570-EB1A-A44E-8545-00D4681E420F}"/>
+              </a:ext>
+            </a:extLst>
+          </p:cNvPr>
+          <p:cNvPicPr>
+            <a:picLocks noChangeAspect="1" noChangeArrowheads="1"/>
+          </p:cNvPicPr>
+          <p:nvPr/>
+        </p:nvPicPr>
+        <p:blipFill>
+          <a:blip r:embed="rId2">
+            <a:extLst>
+              <a:ext uri="{28A0092B-C50C-407E-A947-70E740481C1C}">
+                <a14:useLocalDpi xmlns:a14="http://schemas.microsoft.com/office/drawing/2010/main" val="0"/>
+              </a:ext>
+            </a:extLst>
+          </a:blip>
+          <a:srcRect/>
+          <a:stretch>
+            <a:fillRect/>
+          </a:stretch>
+        </p:blipFill>
+        <p:spPr bwMode="auto">
+          <a:xfrm>
+            <a:off x="3668793" y="395219"/>
+            <a:ext cx="4851240" cy="6067561"/>
+          </a:xfrm>
+          <a:prstGeom prst="rect">
+            <a:avLst/>
+          </a:prstGeom>
+          <a:noFill/>
+          <a:extLst>
+            <a:ext uri="{909E8E84-426E-40DD-AFC4-6F175D3DCCD1}">
+              <a14:hiddenFill xmlns:a14="http://schemas.microsoft.com/office/drawing/2010/main">
+                <a:solidFill>
+                  <a:srgbClr val="FFFFFF"/>
+                </a:solidFill>
+              </a14:hiddenFill>
+            </a:ext>
+          </a:extLst>
+        </p:spPr>
+      </p:pic>
+    </p:spTree>
+    <p:extLst>
+      <p:ext uri="{BB962C8B-B14F-4D97-AF65-F5344CB8AC3E}">
+        <p14:creationId xmlns:p14="http://schemas.microsoft.com/office/powerpoint/2010/main" val="2940615225"/>
+      </p:ext>
+    </p:extLst>
+  </p:cSld>
+  <p:clrMapOvr>
+    <a:masterClrMapping/>
+  </p:clrMapOvr>
+  <mc:AlternateContent xmlns:mc="http://schemas.openxmlformats.org/markup-compatibility/2006">
+    <mc:Choice xmlns:p14="http://schemas.microsoft.com/office/powerpoint/2010/main" Requires="p14">
+      <p:transition spd="med" p14:dur="700">
+        <p:fade/>
+      </p:transition>
+    </mc:Choice>
+    <mc:Fallback>
+      <p:transition spd="med">
+        <p:fade/>
+      </p:transition>
+    </mc:Fallback>
+  </mc:AlternateContent>
+</p:sld>
+</file>
+
+<file path=ppt/slides/slide13.xml><?xml version="1.0" encoding="utf-8"?>
 <p:sld xmlns:a="http://schemas.openxmlformats.org/drawingml/2006/main" xmlns:r="http://schemas.openxmlformats.org/officeDocument/2006/relationships" xmlns:p="http://schemas.openxmlformats.org/presentationml/2006/main">
   <p:cSld>
     <p:bg>
@@ -8048,13 +8241,13 @@
   <p:clrMapOvr>
     <a:masterClrMapping/>
   </p:clrMapOvr>
-  <mc:AlternateContent xmlns:mc="http://schemas.openxmlformats.org/markup-compatibility/2006">
-    <mc:Choice xmlns:p14="http://schemas.microsoft.com/office/powerpoint/2010/main" Requires="p14">
+  <mc:AlternateContent xmlns:mc="http://schemas.openxmlformats.org/markup-compatibility/2006" xmlns:p14="http://schemas.microsoft.com/office/powerpoint/2010/main">
+    <mc:Choice Requires="p14">
       <p:transition spd="med" p14:dur="700">
         <p:fade/>
       </p:transition>
     </mc:Choice>
-    <mc:Fallback>
+    <mc:Fallback xmlns="">
       <p:transition spd="med">
         <p:fade/>
       </p:transition>
@@ -8063,7 +8256,7 @@
 </p:sld>
 </file>
 
-<file path=ppt/slides/slide12.xml><?xml version="1.0" encoding="utf-8"?>
+<file path=ppt/slides/slide14.xml><?xml version="1.0" encoding="utf-8"?>
 <p:sld xmlns:a="http://schemas.openxmlformats.org/drawingml/2006/main" xmlns:r="http://schemas.openxmlformats.org/officeDocument/2006/relationships" xmlns:p="http://schemas.openxmlformats.org/presentationml/2006/main">
   <p:cSld>
     <p:spTree>
@@ -8168,13 +8361,13 @@
   <p:clrMapOvr>
     <a:masterClrMapping/>
   </p:clrMapOvr>
-  <mc:AlternateContent xmlns:mc="http://schemas.openxmlformats.org/markup-compatibility/2006">
-    <mc:Choice xmlns:p14="http://schemas.microsoft.com/office/powerpoint/2010/main" Requires="p14">
+  <mc:AlternateContent xmlns:mc="http://schemas.openxmlformats.org/markup-compatibility/2006" xmlns:p14="http://schemas.microsoft.com/office/powerpoint/2010/main">
+    <mc:Choice Requires="p14">
       <p:transition spd="med" p14:dur="700">
         <p:fade/>
       </p:transition>
     </mc:Choice>
-    <mc:Fallback>
+    <mc:Fallback xmlns="">
       <p:transition spd="med">
         <p:fade/>
       </p:transition>
@@ -8183,7 +8376,7 @@
 </p:sld>
 </file>
 
-<file path=ppt/slides/slide13.xml><?xml version="1.0" encoding="utf-8"?>
+<file path=ppt/slides/slide15.xml><?xml version="1.0" encoding="utf-8"?>
 <p:sld xmlns:a="http://schemas.openxmlformats.org/drawingml/2006/main" xmlns:r="http://schemas.openxmlformats.org/officeDocument/2006/relationships" xmlns:p="http://schemas.openxmlformats.org/presentationml/2006/main">
   <p:cSld>
     <p:spTree>
@@ -8894,13 +9087,13 @@
   <p:clrMapOvr>
     <a:masterClrMapping/>
   </p:clrMapOvr>
-  <mc:AlternateContent xmlns:mc="http://schemas.openxmlformats.org/markup-compatibility/2006">
-    <mc:Choice xmlns:p14="http://schemas.microsoft.com/office/powerpoint/2010/main" Requires="p14">
+  <mc:AlternateContent xmlns:mc="http://schemas.openxmlformats.org/markup-compatibility/2006" xmlns:p14="http://schemas.microsoft.com/office/powerpoint/2010/main">
+    <mc:Choice Requires="p14">
       <p:transition spd="med" p14:dur="700">
         <p:fade/>
       </p:transition>
     </mc:Choice>
-    <mc:Fallback>
+    <mc:Fallback xmlns="">
       <p:transition spd="med">
         <p:fade/>
       </p:transition>
@@ -9152,216 +9345,6 @@
 </p:sld>
 </file>
 
-<file path=ppt/slides/slide14.xml><?xml version="1.0" encoding="utf-8"?>
-<p:sld xmlns:a="http://schemas.openxmlformats.org/drawingml/2006/main" xmlns:r="http://schemas.openxmlformats.org/officeDocument/2006/relationships" xmlns:p="http://schemas.openxmlformats.org/presentationml/2006/main">
-  <p:cSld>
-    <p:spTree>
-      <p:nvGrpSpPr>
-        <p:cNvPr id="1" name=""/>
-        <p:cNvGrpSpPr/>
-        <p:nvPr/>
-      </p:nvGrpSpPr>
-      <p:grpSpPr>
-        <a:xfrm>
-          <a:off x="0" y="0"/>
-          <a:ext cx="0" cy="0"/>
-          <a:chOff x="0" y="0"/>
-          <a:chExt cx="0" cy="0"/>
-        </a:xfrm>
-      </p:grpSpPr>
-      <p:sp>
-        <p:nvSpPr>
-          <p:cNvPr id="2" name="Title 1">
-            <a:extLst>
-              <a:ext uri="{FF2B5EF4-FFF2-40B4-BE49-F238E27FC236}">
-                <a16:creationId xmlns:a16="http://schemas.microsoft.com/office/drawing/2014/main" id="{5E581E5B-431F-4F6D-92F6-378D9DB9E7F0}"/>
-              </a:ext>
-            </a:extLst>
-          </p:cNvPr>
-          <p:cNvSpPr>
-            <a:spLocks noGrp="1"/>
-          </p:cNvSpPr>
-          <p:nvPr>
-            <p:ph type="title"/>
-          </p:nvPr>
-        </p:nvSpPr>
-        <p:spPr>
-          <a:xfrm>
-            <a:off x="838200" y="2766218"/>
-            <a:ext cx="10515600" cy="1325563"/>
-          </a:xfrm>
-        </p:spPr>
-        <p:txBody>
-          <a:bodyPr/>
-          <a:lstStyle/>
-          <a:p>
-            <a:pPr algn="ctr"/>
-            <a:r>
-              <a:rPr lang="en-US" dirty="0"/>
-              <a:t>Same company… but another project and another approach…</a:t>
-            </a:r>
-          </a:p>
-        </p:txBody>
-      </p:sp>
-      <p:sp>
-        <p:nvSpPr>
-          <p:cNvPr id="4" name="Date Placeholder 3">
-            <a:extLst>
-              <a:ext uri="{FF2B5EF4-FFF2-40B4-BE49-F238E27FC236}">
-                <a16:creationId xmlns:a16="http://schemas.microsoft.com/office/drawing/2014/main" id="{37D62FBF-BEF7-4E36-B3A4-9A075FD5FE9D}"/>
-              </a:ext>
-            </a:extLst>
-          </p:cNvPr>
-          <p:cNvSpPr>
-            <a:spLocks noGrp="1"/>
-          </p:cNvSpPr>
-          <p:nvPr>
-            <p:ph type="dt" sz="half" idx="10"/>
-          </p:nvPr>
-        </p:nvSpPr>
-        <p:spPr/>
-        <p:txBody>
-          <a:bodyPr/>
-          <a:lstStyle/>
-          <a:p>
-            <a:r>
-              <a:rPr lang="de-DE"/>
-              <a:t>@borzenko_lena</a:t>
-            </a:r>
-            <a:endParaRPr lang="en-DE" dirty="0"/>
-          </a:p>
-        </p:txBody>
-      </p:sp>
-    </p:spTree>
-    <p:extLst>
-      <p:ext uri="{BB962C8B-B14F-4D97-AF65-F5344CB8AC3E}">
-        <p14:creationId xmlns:p14="http://schemas.microsoft.com/office/powerpoint/2010/main" val="2258103452"/>
-      </p:ext>
-    </p:extLst>
-  </p:cSld>
-  <p:clrMapOvr>
-    <a:masterClrMapping/>
-  </p:clrMapOvr>
-  <mc:AlternateContent xmlns:mc="http://schemas.openxmlformats.org/markup-compatibility/2006">
-    <mc:Choice xmlns:p14="http://schemas.microsoft.com/office/powerpoint/2010/main" Requires="p14">
-      <p:transition spd="med" p14:dur="700">
-        <p:fade/>
-      </p:transition>
-    </mc:Choice>
-    <mc:Fallback>
-      <p:transition spd="med">
-        <p:fade/>
-      </p:transition>
-    </mc:Fallback>
-  </mc:AlternateContent>
-</p:sld>
-</file>
-
-<file path=ppt/slides/slide15.xml><?xml version="1.0" encoding="utf-8"?>
-<p:sld xmlns:a="http://schemas.openxmlformats.org/drawingml/2006/main" xmlns:r="http://schemas.openxmlformats.org/officeDocument/2006/relationships" xmlns:p="http://schemas.openxmlformats.org/presentationml/2006/main">
-  <p:cSld>
-    <p:spTree>
-      <p:nvGrpSpPr>
-        <p:cNvPr id="1" name=""/>
-        <p:cNvGrpSpPr/>
-        <p:nvPr/>
-      </p:nvGrpSpPr>
-      <p:grpSpPr>
-        <a:xfrm>
-          <a:off x="0" y="0"/>
-          <a:ext cx="0" cy="0"/>
-          <a:chOff x="0" y="0"/>
-          <a:chExt cx="0" cy="0"/>
-        </a:xfrm>
-      </p:grpSpPr>
-      <p:sp>
-        <p:nvSpPr>
-          <p:cNvPr id="2" name="Title 1">
-            <a:extLst>
-              <a:ext uri="{FF2B5EF4-FFF2-40B4-BE49-F238E27FC236}">
-                <a16:creationId xmlns:a16="http://schemas.microsoft.com/office/drawing/2014/main" id="{DC2F58D7-E3BE-4AC5-81F1-F6BB4A8B9D91}"/>
-              </a:ext>
-            </a:extLst>
-          </p:cNvPr>
-          <p:cNvSpPr>
-            <a:spLocks noGrp="1"/>
-          </p:cNvSpPr>
-          <p:nvPr>
-            <p:ph type="title"/>
-          </p:nvPr>
-        </p:nvSpPr>
-        <p:spPr>
-          <a:xfrm>
-            <a:off x="838200" y="2766218"/>
-            <a:ext cx="10515600" cy="1325563"/>
-          </a:xfrm>
-        </p:spPr>
-        <p:txBody>
-          <a:bodyPr/>
-          <a:lstStyle/>
-          <a:p>
-            <a:pPr algn="ctr"/>
-            <a:r>
-              <a:rPr lang="en-US" dirty="0"/>
-              <a:t>We were testing behavior…</a:t>
-            </a:r>
-          </a:p>
-        </p:txBody>
-      </p:sp>
-      <p:sp>
-        <p:nvSpPr>
-          <p:cNvPr id="4" name="Date Placeholder 3">
-            <a:extLst>
-              <a:ext uri="{FF2B5EF4-FFF2-40B4-BE49-F238E27FC236}">
-                <a16:creationId xmlns:a16="http://schemas.microsoft.com/office/drawing/2014/main" id="{B8B675E8-AB11-4A11-A6D8-B2B377E3B4EE}"/>
-              </a:ext>
-            </a:extLst>
-          </p:cNvPr>
-          <p:cNvSpPr>
-            <a:spLocks noGrp="1"/>
-          </p:cNvSpPr>
-          <p:nvPr>
-            <p:ph type="dt" sz="half" idx="10"/>
-          </p:nvPr>
-        </p:nvSpPr>
-        <p:spPr/>
-        <p:txBody>
-          <a:bodyPr/>
-          <a:lstStyle/>
-          <a:p>
-            <a:r>
-              <a:rPr lang="de-DE"/>
-              <a:t>@borzenko_lena</a:t>
-            </a:r>
-            <a:endParaRPr lang="en-DE" dirty="0"/>
-          </a:p>
-        </p:txBody>
-      </p:sp>
-    </p:spTree>
-    <p:extLst>
-      <p:ext uri="{BB962C8B-B14F-4D97-AF65-F5344CB8AC3E}">
-        <p14:creationId xmlns:p14="http://schemas.microsoft.com/office/powerpoint/2010/main" val="1121360341"/>
-      </p:ext>
-    </p:extLst>
-  </p:cSld>
-  <p:clrMapOvr>
-    <a:masterClrMapping/>
-  </p:clrMapOvr>
-  <mc:AlternateContent xmlns:mc="http://schemas.openxmlformats.org/markup-compatibility/2006">
-    <mc:Choice xmlns:p14="http://schemas.microsoft.com/office/powerpoint/2010/main" Requires="p14">
-      <p:transition spd="med" p14:dur="700">
-        <p:fade/>
-      </p:transition>
-    </mc:Choice>
-    <mc:Fallback>
-      <p:transition spd="med">
-        <p:fade/>
-      </p:transition>
-    </mc:Fallback>
-  </mc:AlternateContent>
-</p:sld>
-</file>
-
 <file path=ppt/slides/slide16.xml><?xml version="1.0" encoding="utf-8"?>
 <p:sld xmlns:a="http://schemas.openxmlformats.org/drawingml/2006/main" xmlns:r="http://schemas.openxmlformats.org/officeDocument/2006/relationships" xmlns:p="http://schemas.openxmlformats.org/presentationml/2006/main">
   <p:cSld>
@@ -9384,6 +9367,223 @@
           <p:cNvPr id="2" name="Title 1">
             <a:extLst>
               <a:ext uri="{FF2B5EF4-FFF2-40B4-BE49-F238E27FC236}">
+                <a16:creationId xmlns:a16="http://schemas.microsoft.com/office/drawing/2014/main" id="{5E581E5B-431F-4F6D-92F6-378D9DB9E7F0}"/>
+              </a:ext>
+            </a:extLst>
+          </p:cNvPr>
+          <p:cNvSpPr>
+            <a:spLocks noGrp="1"/>
+          </p:cNvSpPr>
+          <p:nvPr>
+            <p:ph type="title"/>
+          </p:nvPr>
+        </p:nvSpPr>
+        <p:spPr>
+          <a:xfrm>
+            <a:off x="838200" y="2766218"/>
+            <a:ext cx="10515600" cy="1325563"/>
+          </a:xfrm>
+        </p:spPr>
+        <p:txBody>
+          <a:bodyPr/>
+          <a:lstStyle/>
+          <a:p>
+            <a:pPr algn="ctr"/>
+            <a:r>
+              <a:rPr lang="en-US" dirty="0"/>
+              <a:t>Same company,</a:t>
+            </a:r>
+            <a:br>
+              <a:rPr lang="en-US" dirty="0"/>
+            </a:br>
+            <a:r>
+              <a:rPr lang="en-US" dirty="0"/>
+              <a:t>but another project…</a:t>
+            </a:r>
+          </a:p>
+        </p:txBody>
+      </p:sp>
+      <p:sp>
+        <p:nvSpPr>
+          <p:cNvPr id="4" name="Date Placeholder 3">
+            <a:extLst>
+              <a:ext uri="{FF2B5EF4-FFF2-40B4-BE49-F238E27FC236}">
+                <a16:creationId xmlns:a16="http://schemas.microsoft.com/office/drawing/2014/main" id="{37D62FBF-BEF7-4E36-B3A4-9A075FD5FE9D}"/>
+              </a:ext>
+            </a:extLst>
+          </p:cNvPr>
+          <p:cNvSpPr>
+            <a:spLocks noGrp="1"/>
+          </p:cNvSpPr>
+          <p:nvPr>
+            <p:ph type="dt" sz="half" idx="10"/>
+          </p:nvPr>
+        </p:nvSpPr>
+        <p:spPr/>
+        <p:txBody>
+          <a:bodyPr/>
+          <a:lstStyle/>
+          <a:p>
+            <a:r>
+              <a:rPr lang="de-DE"/>
+              <a:t>@borzenko_lena</a:t>
+            </a:r>
+            <a:endParaRPr lang="en-DE" dirty="0"/>
+          </a:p>
+        </p:txBody>
+      </p:sp>
+    </p:spTree>
+    <p:extLst>
+      <p:ext uri="{BB962C8B-B14F-4D97-AF65-F5344CB8AC3E}">
+        <p14:creationId xmlns:p14="http://schemas.microsoft.com/office/powerpoint/2010/main" val="2258103452"/>
+      </p:ext>
+    </p:extLst>
+  </p:cSld>
+  <p:clrMapOvr>
+    <a:masterClrMapping/>
+  </p:clrMapOvr>
+  <mc:AlternateContent xmlns:mc="http://schemas.openxmlformats.org/markup-compatibility/2006" xmlns:p14="http://schemas.microsoft.com/office/powerpoint/2010/main">
+    <mc:Choice Requires="p14">
+      <p:transition spd="med" p14:dur="700">
+        <p:fade/>
+      </p:transition>
+    </mc:Choice>
+    <mc:Fallback xmlns="">
+      <p:transition spd="med">
+        <p:fade/>
+      </p:transition>
+    </mc:Fallback>
+  </mc:AlternateContent>
+</p:sld>
+</file>
+
+<file path=ppt/slides/slide17.xml><?xml version="1.0" encoding="utf-8"?>
+<p:sld xmlns:a="http://schemas.openxmlformats.org/drawingml/2006/main" xmlns:r="http://schemas.openxmlformats.org/officeDocument/2006/relationships" xmlns:p="http://schemas.openxmlformats.org/presentationml/2006/main">
+  <p:cSld>
+    <p:spTree>
+      <p:nvGrpSpPr>
+        <p:cNvPr id="1" name=""/>
+        <p:cNvGrpSpPr/>
+        <p:nvPr/>
+      </p:nvGrpSpPr>
+      <p:grpSpPr>
+        <a:xfrm>
+          <a:off x="0" y="0"/>
+          <a:ext cx="0" cy="0"/>
+          <a:chOff x="0" y="0"/>
+          <a:chExt cx="0" cy="0"/>
+        </a:xfrm>
+      </p:grpSpPr>
+      <p:sp>
+        <p:nvSpPr>
+          <p:cNvPr id="2" name="Title 1">
+            <a:extLst>
+              <a:ext uri="{FF2B5EF4-FFF2-40B4-BE49-F238E27FC236}">
+                <a16:creationId xmlns:a16="http://schemas.microsoft.com/office/drawing/2014/main" id="{DC2F58D7-E3BE-4AC5-81F1-F6BB4A8B9D91}"/>
+              </a:ext>
+            </a:extLst>
+          </p:cNvPr>
+          <p:cNvSpPr>
+            <a:spLocks noGrp="1"/>
+          </p:cNvSpPr>
+          <p:nvPr>
+            <p:ph type="title"/>
+          </p:nvPr>
+        </p:nvSpPr>
+        <p:spPr>
+          <a:xfrm>
+            <a:off x="838200" y="2766218"/>
+            <a:ext cx="10515600" cy="1325563"/>
+          </a:xfrm>
+        </p:spPr>
+        <p:txBody>
+          <a:bodyPr/>
+          <a:lstStyle/>
+          <a:p>
+            <a:pPr algn="ctr"/>
+            <a:r>
+              <a:rPr lang="en-US" dirty="0"/>
+              <a:t>We were testing behavior…</a:t>
+            </a:r>
+          </a:p>
+        </p:txBody>
+      </p:sp>
+      <p:sp>
+        <p:nvSpPr>
+          <p:cNvPr id="4" name="Date Placeholder 3">
+            <a:extLst>
+              <a:ext uri="{FF2B5EF4-FFF2-40B4-BE49-F238E27FC236}">
+                <a16:creationId xmlns:a16="http://schemas.microsoft.com/office/drawing/2014/main" id="{B8B675E8-AB11-4A11-A6D8-B2B377E3B4EE}"/>
+              </a:ext>
+            </a:extLst>
+          </p:cNvPr>
+          <p:cNvSpPr>
+            <a:spLocks noGrp="1"/>
+          </p:cNvSpPr>
+          <p:nvPr>
+            <p:ph type="dt" sz="half" idx="10"/>
+          </p:nvPr>
+        </p:nvSpPr>
+        <p:spPr/>
+        <p:txBody>
+          <a:bodyPr/>
+          <a:lstStyle/>
+          <a:p>
+            <a:r>
+              <a:rPr lang="de-DE"/>
+              <a:t>@borzenko_lena</a:t>
+            </a:r>
+            <a:endParaRPr lang="en-DE" dirty="0"/>
+          </a:p>
+        </p:txBody>
+      </p:sp>
+    </p:spTree>
+    <p:extLst>
+      <p:ext uri="{BB962C8B-B14F-4D97-AF65-F5344CB8AC3E}">
+        <p14:creationId xmlns:p14="http://schemas.microsoft.com/office/powerpoint/2010/main" val="1121360341"/>
+      </p:ext>
+    </p:extLst>
+  </p:cSld>
+  <p:clrMapOvr>
+    <a:masterClrMapping/>
+  </p:clrMapOvr>
+  <mc:AlternateContent xmlns:mc="http://schemas.openxmlformats.org/markup-compatibility/2006" xmlns:p14="http://schemas.microsoft.com/office/powerpoint/2010/main">
+    <mc:Choice Requires="p14">
+      <p:transition spd="med" p14:dur="700">
+        <p:fade/>
+      </p:transition>
+    </mc:Choice>
+    <mc:Fallback xmlns="">
+      <p:transition spd="med">
+        <p:fade/>
+      </p:transition>
+    </mc:Fallback>
+  </mc:AlternateContent>
+</p:sld>
+</file>
+
+<file path=ppt/slides/slide18.xml><?xml version="1.0" encoding="utf-8"?>
+<p:sld xmlns:a="http://schemas.openxmlformats.org/drawingml/2006/main" xmlns:r="http://schemas.openxmlformats.org/officeDocument/2006/relationships" xmlns:p="http://schemas.openxmlformats.org/presentationml/2006/main">
+  <p:cSld>
+    <p:spTree>
+      <p:nvGrpSpPr>
+        <p:cNvPr id="1" name=""/>
+        <p:cNvGrpSpPr/>
+        <p:nvPr/>
+      </p:nvGrpSpPr>
+      <p:grpSpPr>
+        <a:xfrm>
+          <a:off x="0" y="0"/>
+          <a:ext cx="0" cy="0"/>
+          <a:chOff x="0" y="0"/>
+          <a:chExt cx="0" cy="0"/>
+        </a:xfrm>
+      </p:grpSpPr>
+      <p:sp>
+        <p:nvSpPr>
+          <p:cNvPr id="2" name="Title 1">
+            <a:extLst>
+              <a:ext uri="{FF2B5EF4-FFF2-40B4-BE49-F238E27FC236}">
                 <a16:creationId xmlns:a16="http://schemas.microsoft.com/office/drawing/2014/main" id="{ADDF5CE2-F4B2-4164-8C76-0D96DF80671E}"/>
               </a:ext>
             </a:extLst>
@@ -10081,13 +10281,13 @@
   <p:clrMapOvr>
     <a:masterClrMapping/>
   </p:clrMapOvr>
-  <mc:AlternateContent xmlns:mc="http://schemas.openxmlformats.org/markup-compatibility/2006">
-    <mc:Choice xmlns:p14="http://schemas.microsoft.com/office/powerpoint/2010/main" Requires="p14">
+  <mc:AlternateContent xmlns:mc="http://schemas.openxmlformats.org/markup-compatibility/2006" xmlns:p14="http://schemas.microsoft.com/office/powerpoint/2010/main">
+    <mc:Choice Requires="p14">
       <p:transition spd="med" p14:dur="700">
         <p:fade/>
       </p:transition>
     </mc:Choice>
-    <mc:Fallback>
+    <mc:Fallback xmlns="">
       <p:transition spd="med">
         <p:fade/>
       </p:transition>
@@ -10339,7 +10539,7 @@
 </p:sld>
 </file>
 
-<file path=ppt/slides/slide17.xml><?xml version="1.0" encoding="utf-8"?>
+<file path=ppt/slides/slide19.xml><?xml version="1.0" encoding="utf-8"?>
 <p:sld xmlns:a="http://schemas.openxmlformats.org/drawingml/2006/main" xmlns:r="http://schemas.openxmlformats.org/officeDocument/2006/relationships" xmlns:p="http://schemas.openxmlformats.org/presentationml/2006/main">
   <p:cSld>
     <p:spTree>
@@ -10442,225 +10642,13 @@
   <p:clrMapOvr>
     <a:masterClrMapping/>
   </p:clrMapOvr>
-  <mc:AlternateContent xmlns:mc="http://schemas.openxmlformats.org/markup-compatibility/2006">
-    <mc:Choice xmlns:p14="http://schemas.microsoft.com/office/powerpoint/2010/main" Requires="p14">
+  <mc:AlternateContent xmlns:mc="http://schemas.openxmlformats.org/markup-compatibility/2006" xmlns:p14="http://schemas.microsoft.com/office/powerpoint/2010/main">
+    <mc:Choice Requires="p14">
       <p:transition spd="med" p14:dur="700">
         <p:fade/>
       </p:transition>
     </mc:Choice>
-    <mc:Fallback>
-      <p:transition spd="med">
-        <p:fade/>
-      </p:transition>
-    </mc:Fallback>
-  </mc:AlternateContent>
-</p:sld>
-</file>
-
-<file path=ppt/slides/slide18.xml><?xml version="1.0" encoding="utf-8"?>
-<p:sld xmlns:a="http://schemas.openxmlformats.org/drawingml/2006/main" xmlns:r="http://schemas.openxmlformats.org/officeDocument/2006/relationships" xmlns:p="http://schemas.openxmlformats.org/presentationml/2006/main">
-  <p:cSld>
-    <p:spTree>
-      <p:nvGrpSpPr>
-        <p:cNvPr id="1" name=""/>
-        <p:cNvGrpSpPr/>
-        <p:nvPr/>
-      </p:nvGrpSpPr>
-      <p:grpSpPr>
-        <a:xfrm>
-          <a:off x="0" y="0"/>
-          <a:ext cx="0" cy="0"/>
-          <a:chOff x="0" y="0"/>
-          <a:chExt cx="0" cy="0"/>
-        </a:xfrm>
-      </p:grpSpPr>
-      <p:sp>
-        <p:nvSpPr>
-          <p:cNvPr id="2" name="Title 1">
-            <a:extLst>
-              <a:ext uri="{FF2B5EF4-FFF2-40B4-BE49-F238E27FC236}">
-                <a16:creationId xmlns:a16="http://schemas.microsoft.com/office/drawing/2014/main" id="{41A428C3-1578-405C-ABAC-71A22379846D}"/>
-              </a:ext>
-            </a:extLst>
-          </p:cNvPr>
-          <p:cNvSpPr>
-            <a:spLocks noGrp="1"/>
-          </p:cNvSpPr>
-          <p:nvPr>
-            <p:ph type="title"/>
-          </p:nvPr>
-        </p:nvSpPr>
-        <p:spPr>
-          <a:xfrm>
-            <a:off x="838200" y="1987117"/>
-            <a:ext cx="10515600" cy="2883766"/>
-          </a:xfrm>
-        </p:spPr>
-        <p:txBody>
-          <a:bodyPr>
-            <a:normAutofit/>
-          </a:bodyPr>
-          <a:lstStyle/>
-          <a:p>
-            <a:pPr algn="ctr"/>
-            <a:r>
-              <a:rPr lang="en-US" sz="4000" dirty="0"/>
-              <a:t>1. TDD is when you write a single test. Watch it fail, and only after that you implement the code</a:t>
-            </a:r>
-          </a:p>
-        </p:txBody>
-      </p:sp>
-      <p:sp>
-        <p:nvSpPr>
-          <p:cNvPr id="4" name="Date Placeholder 3">
-            <a:extLst>
-              <a:ext uri="{FF2B5EF4-FFF2-40B4-BE49-F238E27FC236}">
-                <a16:creationId xmlns:a16="http://schemas.microsoft.com/office/drawing/2014/main" id="{8E9A16A5-B0D0-4033-A9F8-EB0E44C255B5}"/>
-              </a:ext>
-            </a:extLst>
-          </p:cNvPr>
-          <p:cNvSpPr>
-            <a:spLocks noGrp="1"/>
-          </p:cNvSpPr>
-          <p:nvPr>
-            <p:ph type="dt" sz="half" idx="10"/>
-          </p:nvPr>
-        </p:nvSpPr>
-        <p:spPr/>
-        <p:txBody>
-          <a:bodyPr/>
-          <a:lstStyle/>
-          <a:p>
-            <a:r>
-              <a:rPr lang="de-DE"/>
-              <a:t>@borzenko_lena</a:t>
-            </a:r>
-            <a:endParaRPr lang="en-DE" dirty="0"/>
-          </a:p>
-        </p:txBody>
-      </p:sp>
-    </p:spTree>
-    <p:extLst>
-      <p:ext uri="{BB962C8B-B14F-4D97-AF65-F5344CB8AC3E}">
-        <p14:creationId xmlns:p14="http://schemas.microsoft.com/office/powerpoint/2010/main" val="329125854"/>
-      </p:ext>
-    </p:extLst>
-  </p:cSld>
-  <p:clrMapOvr>
-    <a:masterClrMapping/>
-  </p:clrMapOvr>
-  <mc:AlternateContent xmlns:mc="http://schemas.openxmlformats.org/markup-compatibility/2006">
-    <mc:Choice xmlns:p14="http://schemas.microsoft.com/office/powerpoint/2010/main" Requires="p14">
-      <p:transition spd="med" p14:dur="700">
-        <p:fade/>
-      </p:transition>
-    </mc:Choice>
-    <mc:Fallback>
-      <p:transition spd="med">
-        <p:fade/>
-      </p:transition>
-    </mc:Fallback>
-  </mc:AlternateContent>
-</p:sld>
-</file>
-
-<file path=ppt/slides/slide19.xml><?xml version="1.0" encoding="utf-8"?>
-<p:sld xmlns:a="http://schemas.openxmlformats.org/drawingml/2006/main" xmlns:r="http://schemas.openxmlformats.org/officeDocument/2006/relationships" xmlns:p="http://schemas.openxmlformats.org/presentationml/2006/main">
-  <p:cSld>
-    <p:spTree>
-      <p:nvGrpSpPr>
-        <p:cNvPr id="1" name=""/>
-        <p:cNvGrpSpPr/>
-        <p:nvPr/>
-      </p:nvGrpSpPr>
-      <p:grpSpPr>
-        <a:xfrm>
-          <a:off x="0" y="0"/>
-          <a:ext cx="0" cy="0"/>
-          <a:chOff x="0" y="0"/>
-          <a:chExt cx="0" cy="0"/>
-        </a:xfrm>
-      </p:grpSpPr>
-      <p:sp>
-        <p:nvSpPr>
-          <p:cNvPr id="2" name="Title 1">
-            <a:extLst>
-              <a:ext uri="{FF2B5EF4-FFF2-40B4-BE49-F238E27FC236}">
-                <a16:creationId xmlns:a16="http://schemas.microsoft.com/office/drawing/2014/main" id="{03B03B5F-84D9-4EF1-BFCD-890D1BA26ABD}"/>
-              </a:ext>
-            </a:extLst>
-          </p:cNvPr>
-          <p:cNvSpPr>
-            <a:spLocks noGrp="1"/>
-          </p:cNvSpPr>
-          <p:nvPr>
-            <p:ph type="title"/>
-          </p:nvPr>
-        </p:nvSpPr>
-        <p:spPr>
-          <a:xfrm>
-            <a:off x="838200" y="2766218"/>
-            <a:ext cx="10515600" cy="1325563"/>
-          </a:xfrm>
-        </p:spPr>
-        <p:txBody>
-          <a:bodyPr/>
-          <a:lstStyle/>
-          <a:p>
-            <a:pPr algn="ctr"/>
-            <a:r>
-              <a:rPr lang="en-US" dirty="0"/>
-              <a:t>2. TDD assists in better software design </a:t>
-            </a:r>
-          </a:p>
-        </p:txBody>
-      </p:sp>
-      <p:sp>
-        <p:nvSpPr>
-          <p:cNvPr id="4" name="Date Placeholder 3">
-            <a:extLst>
-              <a:ext uri="{FF2B5EF4-FFF2-40B4-BE49-F238E27FC236}">
-                <a16:creationId xmlns:a16="http://schemas.microsoft.com/office/drawing/2014/main" id="{4BADA89F-489F-4311-BA78-FC51197B4DB6}"/>
-              </a:ext>
-            </a:extLst>
-          </p:cNvPr>
-          <p:cNvSpPr>
-            <a:spLocks noGrp="1"/>
-          </p:cNvSpPr>
-          <p:nvPr>
-            <p:ph type="dt" sz="half" idx="10"/>
-          </p:nvPr>
-        </p:nvSpPr>
-        <p:spPr/>
-        <p:txBody>
-          <a:bodyPr/>
-          <a:lstStyle/>
-          <a:p>
-            <a:r>
-              <a:rPr lang="de-DE"/>
-              <a:t>@borzenko_lena</a:t>
-            </a:r>
-            <a:endParaRPr lang="en-DE" dirty="0"/>
-          </a:p>
-        </p:txBody>
-      </p:sp>
-    </p:spTree>
-    <p:extLst>
-      <p:ext uri="{BB962C8B-B14F-4D97-AF65-F5344CB8AC3E}">
-        <p14:creationId xmlns:p14="http://schemas.microsoft.com/office/powerpoint/2010/main" val="708061299"/>
-      </p:ext>
-    </p:extLst>
-  </p:cSld>
-  <p:clrMapOvr>
-    <a:masterClrMapping/>
-  </p:clrMapOvr>
-  <mc:AlternateContent xmlns:mc="http://schemas.openxmlformats.org/markup-compatibility/2006">
-    <mc:Choice xmlns:p14="http://schemas.microsoft.com/office/powerpoint/2010/main" Requires="p14">
-      <p:transition spd="med" p14:dur="700">
-        <p:fade/>
-      </p:transition>
-    </mc:Choice>
-    <mc:Fallback>
+    <mc:Fallback xmlns="">
       <p:transition spd="med">
         <p:fade/>
       </p:transition>
@@ -10744,8 +10732,8 @@
         </p:blipFill>
         <p:spPr bwMode="auto">
           <a:xfrm>
-            <a:off x="8194702" y="4180800"/>
-            <a:ext cx="3171825" cy="1857375"/>
+            <a:off x="9519311" y="4893373"/>
+            <a:ext cx="2168636" cy="1269922"/>
           </a:xfrm>
           <a:prstGeom prst="rect">
             <a:avLst/>
@@ -10791,8 +10779,8 @@
         </p:blipFill>
         <p:spPr bwMode="auto">
           <a:xfrm>
-            <a:off x="1043662" y="4380825"/>
-            <a:ext cx="2762250" cy="1657350"/>
+            <a:off x="5044124" y="5176516"/>
+            <a:ext cx="1911150" cy="1146690"/>
           </a:xfrm>
           <a:prstGeom prst="rect">
             <a:avLst/>
@@ -10831,84 +10819,172 @@
         </p:blipFill>
         <p:spPr>
           <a:xfrm>
-            <a:off x="4561565" y="4713853"/>
-            <a:ext cx="3230880" cy="991293"/>
+            <a:off x="7225978" y="5176516"/>
+            <a:ext cx="2293333" cy="703636"/>
           </a:xfrm>
           <a:prstGeom prst="rect">
             <a:avLst/>
           </a:prstGeom>
         </p:spPr>
       </p:pic>
-      <p:sp>
-        <p:nvSpPr>
-          <p:cNvPr id="9" name="Title 1">
+      <p:pic>
+        <p:nvPicPr>
+          <p:cNvPr id="3" name="Picture 2" descr="A person sitting in a bus&#10;&#10;Description automatically generated with low confidence">
             <a:extLst>
               <a:ext uri="{FF2B5EF4-FFF2-40B4-BE49-F238E27FC236}">
-                <a16:creationId xmlns:a16="http://schemas.microsoft.com/office/drawing/2014/main" id="{5A8B0C86-7D88-429E-8DAB-071CEB8D0E8C}"/>
+                <a16:creationId xmlns:a16="http://schemas.microsoft.com/office/drawing/2014/main" id="{D8EDB46A-D290-F04D-87E4-6FD3F0F35E08}"/>
               </a:ext>
             </a:extLst>
           </p:cNvPr>
-          <p:cNvSpPr txBox="1">
-            <a:spLocks/>
-          </p:cNvSpPr>
+          <p:cNvPicPr>
+            <a:picLocks noChangeAspect="1"/>
+          </p:cNvPicPr>
           <p:nvPr/>
-        </p:nvSpPr>
+        </p:nvPicPr>
+        <p:blipFill>
+          <a:blip r:embed="rId5"/>
+          <a:stretch>
+            <a:fillRect/>
+          </a:stretch>
+        </p:blipFill>
         <p:spPr>
           <a:xfrm>
-            <a:off x="837254" y="1286747"/>
-            <a:ext cx="10679502" cy="2142253"/>
+            <a:off x="886017" y="749860"/>
+            <a:ext cx="3749056" cy="5358280"/>
           </a:xfrm>
           <a:prstGeom prst="rect">
             <a:avLst/>
           </a:prstGeom>
         </p:spPr>
-        <p:txBody>
-          <a:bodyPr vert="horz" lIns="91440" tIns="45720" rIns="91440" bIns="45720" rtlCol="0" anchor="ctr">
-            <a:normAutofit/>
+      </p:pic>
+      <p:sp>
+        <p:nvSpPr>
+          <p:cNvPr id="9" name="Rectangle 8">
+            <a:extLst>
+              <a:ext uri="{FF2B5EF4-FFF2-40B4-BE49-F238E27FC236}">
+                <a16:creationId xmlns:a16="http://schemas.microsoft.com/office/drawing/2014/main" id="{6F992E36-65E1-6746-95FF-D86A1E191F9F}"/>
+              </a:ext>
+            </a:extLst>
+          </p:cNvPr>
+          <p:cNvSpPr/>
+          <p:nvPr/>
+        </p:nvSpPr>
+        <p:spPr>
+          <a:xfrm>
+            <a:off x="5115612" y="1658647"/>
+            <a:ext cx="6514063" cy="2062103"/>
+          </a:xfrm>
+          <a:prstGeom prst="rect">
+            <a:avLst/>
+          </a:prstGeom>
+        </p:spPr>
+        <p:txBody>
+          <a:bodyPr wrap="square">
+            <a:spAutoFit/>
           </a:bodyPr>
-          <a:lstStyle>
-            <a:lvl1pPr algn="l" defTabSz="914400" rtl="0" eaLnBrk="1" latinLnBrk="0" hangingPunct="1">
-              <a:lnSpc>
-                <a:spcPct val="90000"/>
-              </a:lnSpc>
-              <a:spcBef>
-                <a:spcPct val="0"/>
-              </a:spcBef>
-              <a:buNone/>
-              <a:defRPr sz="4400" kern="1200">
-                <a:solidFill>
-                  <a:schemeClr val="tx1"/>
-                </a:solidFill>
+          <a:lstStyle/>
+          <a:p>
+            <a:pPr algn="ctr"/>
+            <a:r>
+              <a:rPr lang="en-GB" sz="3200" dirty="0">
+                <a:solidFill>
+                  <a:srgbClr val="FFFFFF"/>
+                </a:solidFill>
+                <a:effectLst/>
                 <a:latin typeface="Courier New" panose="02070309020205020404" pitchFamily="49" charset="0"/>
-                <a:ea typeface="+mj-ea"/>
-                <a:cs typeface="Courier New" panose="02070309020205020404" pitchFamily="49" charset="0"/>
-              </a:defRPr>
-            </a:lvl1pPr>
-          </a:lstStyle>
+              </a:rPr>
+              <a:t>Hello</a:t>
+            </a:r>
+            <a:r>
+              <a:rPr lang="en-GB" sz="3200" dirty="0">
+                <a:solidFill>
+                  <a:srgbClr val="FFFFFF"/>
+                </a:solidFill>
+                <a:latin typeface="Courier New" panose="02070309020205020404" pitchFamily="49" charset="0"/>
+              </a:rPr>
+              <a:t>!</a:t>
+            </a:r>
+          </a:p>
           <a:p>
             <a:pPr algn="ctr"/>
-            <a:r>
-              <a:rPr lang="en-GB" dirty="0"/>
-              <a:t>Hello!</a:t>
-            </a:r>
+            <a:endParaRPr lang="en-GB" sz="3200" dirty="0">
+              <a:solidFill>
+                <a:srgbClr val="FFFFFF"/>
+              </a:solidFill>
+              <a:effectLst/>
+              <a:latin typeface="Courier New" panose="02070309020205020404" pitchFamily="49" charset="0"/>
+            </a:endParaRPr>
           </a:p>
           <a:p>
             <a:pPr algn="ctr"/>
-            <a:endParaRPr lang="en-GB" dirty="0"/>
-          </a:p>
-          <a:p>
-            <a:pPr algn="ctr"/>
-            <a:r>
-              <a:rPr lang="en-GB" sz="4000" dirty="0"/>
-              <a:t>It’s time for a short intro </a:t>
-            </a:r>
-            <a:r>
-              <a:rPr lang="en-GB" sz="4000" dirty="0">
-                <a:sym typeface="Wingdings" panose="05000000000000000000" pitchFamily="2" charset="2"/>
+            <a:r>
+              <a:rPr lang="en-GB" sz="3200" dirty="0">
+                <a:solidFill>
+                  <a:srgbClr val="FFFFFF"/>
+                </a:solidFill>
+                <a:effectLst/>
+                <a:latin typeface="Courier New" panose="02070309020205020404" pitchFamily="49" charset="0"/>
               </a:rPr>
-              <a:t></a:t>
-            </a:r>
-            <a:endParaRPr lang="en-DE" sz="4000" dirty="0"/>
+              <a:t>I’m Olena </a:t>
+            </a:r>
+            <a:r>
+              <a:rPr lang="en-GB" sz="3200" dirty="0" err="1">
+                <a:solidFill>
+                  <a:srgbClr val="FFFFFF"/>
+                </a:solidFill>
+                <a:effectLst/>
+                <a:latin typeface="Courier New" panose="02070309020205020404" pitchFamily="49" charset="0"/>
+              </a:rPr>
+              <a:t>Borzenko</a:t>
+            </a:r>
+            <a:r>
+              <a:rPr lang="en-GB" sz="3200" dirty="0">
+                <a:solidFill>
+                  <a:srgbClr val="FFFFFF"/>
+                </a:solidFill>
+                <a:latin typeface="Courier New" panose="02070309020205020404" pitchFamily="49" charset="0"/>
+              </a:rPr>
+              <a:t> and  I’m a software developer</a:t>
+            </a:r>
+            <a:endParaRPr lang="en-GB" sz="3200" dirty="0">
+              <a:solidFill>
+                <a:srgbClr val="FFFFFF"/>
+              </a:solidFill>
+              <a:effectLst/>
+              <a:latin typeface="Courier New" panose="02070309020205020404" pitchFamily="49" charset="0"/>
+            </a:endParaRPr>
+          </a:p>
+        </p:txBody>
+      </p:sp>
+      <p:sp>
+        <p:nvSpPr>
+          <p:cNvPr id="6" name="TextBox 5">
+            <a:extLst>
+              <a:ext uri="{FF2B5EF4-FFF2-40B4-BE49-F238E27FC236}">
+                <a16:creationId xmlns:a16="http://schemas.microsoft.com/office/drawing/2014/main" id="{421BA937-362A-2947-A97A-060459681205}"/>
+              </a:ext>
+            </a:extLst>
+          </p:cNvPr>
+          <p:cNvSpPr txBox="1"/>
+          <p:nvPr/>
+        </p:nvSpPr>
+        <p:spPr>
+          <a:xfrm>
+            <a:off x="11331615" y="3437681"/>
+            <a:ext cx="184731" cy="369332"/>
+          </a:xfrm>
+          <a:prstGeom prst="rect">
+            <a:avLst/>
+          </a:prstGeom>
+          <a:noFill/>
+        </p:spPr>
+        <p:txBody>
+          <a:bodyPr wrap="none" rtlCol="0">
+            <a:spAutoFit/>
+          </a:bodyPr>
+          <a:lstStyle/>
+          <a:p>
+            <a:endParaRPr lang="en-DE" dirty="0"/>
           </a:p>
         </p:txBody>
       </p:sp>
@@ -10922,13 +10998,13 @@
   <p:clrMapOvr>
     <a:masterClrMapping/>
   </p:clrMapOvr>
-  <mc:AlternateContent xmlns:mc="http://schemas.openxmlformats.org/markup-compatibility/2006">
-    <mc:Choice xmlns:p14="http://schemas.microsoft.com/office/powerpoint/2010/main" Requires="p14">
+  <mc:AlternateContent xmlns:mc="http://schemas.openxmlformats.org/markup-compatibility/2006" xmlns:p14="http://schemas.microsoft.com/office/powerpoint/2010/main">
+    <mc:Choice Requires="p14">
       <p:transition spd="med" p14:dur="700">
         <p:fade/>
       </p:transition>
     </mc:Choice>
-    <mc:Fallback>
+    <mc:Fallback xmlns="">
       <p:transition spd="med">
         <p:fade/>
       </p:transition>
@@ -10959,7 +11035,7 @@
           <p:cNvPr id="2" name="Title 1">
             <a:extLst>
               <a:ext uri="{FF2B5EF4-FFF2-40B4-BE49-F238E27FC236}">
-                <a16:creationId xmlns:a16="http://schemas.microsoft.com/office/drawing/2014/main" id="{947758E4-22C0-43D2-B990-3317A43A01FE}"/>
+                <a16:creationId xmlns:a16="http://schemas.microsoft.com/office/drawing/2014/main" id="{41A428C3-1578-405C-ABAC-71A22379846D}"/>
               </a:ext>
             </a:extLst>
           </p:cNvPr>
@@ -10972,18 +11048,20 @@
         </p:nvSpPr>
         <p:spPr>
           <a:xfrm>
-            <a:off x="838200" y="2766218"/>
-            <a:ext cx="10515600" cy="1325563"/>
+            <a:off x="838200" y="1987117"/>
+            <a:ext cx="10515600" cy="2883766"/>
           </a:xfrm>
         </p:spPr>
         <p:txBody>
-          <a:bodyPr/>
+          <a:bodyPr>
+            <a:normAutofit/>
+          </a:bodyPr>
           <a:lstStyle/>
           <a:p>
             <a:pPr algn="ctr"/>
             <a:r>
-              <a:rPr lang="en-US" dirty="0"/>
-              <a:t>3. Easier to refactor and hand-over your code</a:t>
+              <a:rPr lang="en-US" sz="4000" dirty="0"/>
+              <a:t>1. TDD is when you write a single test. Watch it fail, and only after that you implement the code</a:t>
             </a:r>
           </a:p>
         </p:txBody>
@@ -10993,7 +11071,7 @@
           <p:cNvPr id="4" name="Date Placeholder 3">
             <a:extLst>
               <a:ext uri="{FF2B5EF4-FFF2-40B4-BE49-F238E27FC236}">
-                <a16:creationId xmlns:a16="http://schemas.microsoft.com/office/drawing/2014/main" id="{A6C1B4A4-4D86-417E-8442-95C498093C67}"/>
+                <a16:creationId xmlns:a16="http://schemas.microsoft.com/office/drawing/2014/main" id="{8E9A16A5-B0D0-4033-A9F8-EB0E44C255B5}"/>
               </a:ext>
             </a:extLst>
           </p:cNvPr>
@@ -11020,20 +11098,20 @@
     </p:spTree>
     <p:extLst>
       <p:ext uri="{BB962C8B-B14F-4D97-AF65-F5344CB8AC3E}">
-        <p14:creationId xmlns:p14="http://schemas.microsoft.com/office/powerpoint/2010/main" val="3225521196"/>
+        <p14:creationId xmlns:p14="http://schemas.microsoft.com/office/powerpoint/2010/main" val="329125854"/>
       </p:ext>
     </p:extLst>
   </p:cSld>
   <p:clrMapOvr>
     <a:masterClrMapping/>
   </p:clrMapOvr>
-  <mc:AlternateContent xmlns:mc="http://schemas.openxmlformats.org/markup-compatibility/2006">
-    <mc:Choice xmlns:p14="http://schemas.microsoft.com/office/powerpoint/2010/main" Requires="p14">
+  <mc:AlternateContent xmlns:mc="http://schemas.openxmlformats.org/markup-compatibility/2006" xmlns:p14="http://schemas.microsoft.com/office/powerpoint/2010/main">
+    <mc:Choice Requires="p14">
       <p:transition spd="med" p14:dur="700">
         <p:fade/>
       </p:transition>
     </mc:Choice>
-    <mc:Fallback>
+    <mc:Fallback xmlns="">
       <p:transition spd="med">
         <p:fade/>
       </p:transition>
@@ -11064,7 +11142,7 @@
           <p:cNvPr id="2" name="Title 1">
             <a:extLst>
               <a:ext uri="{FF2B5EF4-FFF2-40B4-BE49-F238E27FC236}">
-                <a16:creationId xmlns:a16="http://schemas.microsoft.com/office/drawing/2014/main" id="{947758E4-22C0-43D2-B990-3317A43A01FE}"/>
+                <a16:creationId xmlns:a16="http://schemas.microsoft.com/office/drawing/2014/main" id="{03B03B5F-84D9-4EF1-BFCD-890D1BA26ABD}"/>
               </a:ext>
             </a:extLst>
           </p:cNvPr>
@@ -11088,7 +11166,7 @@
             <a:pPr algn="ctr"/>
             <a:r>
               <a:rPr lang="en-US" dirty="0"/>
-              <a:t>A few more…</a:t>
+              <a:t>2. TDD assists in better software design </a:t>
             </a:r>
           </a:p>
         </p:txBody>
@@ -11098,7 +11176,7 @@
           <p:cNvPr id="4" name="Date Placeholder 3">
             <a:extLst>
               <a:ext uri="{FF2B5EF4-FFF2-40B4-BE49-F238E27FC236}">
-                <a16:creationId xmlns:a16="http://schemas.microsoft.com/office/drawing/2014/main" id="{A6C1B4A4-4D86-417E-8442-95C498093C67}"/>
+                <a16:creationId xmlns:a16="http://schemas.microsoft.com/office/drawing/2014/main" id="{4BADA89F-489F-4311-BA78-FC51197B4DB6}"/>
               </a:ext>
             </a:extLst>
           </p:cNvPr>
@@ -11125,20 +11203,20 @@
     </p:spTree>
     <p:extLst>
       <p:ext uri="{BB962C8B-B14F-4D97-AF65-F5344CB8AC3E}">
-        <p14:creationId xmlns:p14="http://schemas.microsoft.com/office/powerpoint/2010/main" val="3931571961"/>
+        <p14:creationId xmlns:p14="http://schemas.microsoft.com/office/powerpoint/2010/main" val="708061299"/>
       </p:ext>
     </p:extLst>
   </p:cSld>
   <p:clrMapOvr>
     <a:masterClrMapping/>
   </p:clrMapOvr>
-  <mc:AlternateContent xmlns:mc="http://schemas.openxmlformats.org/markup-compatibility/2006">
-    <mc:Choice xmlns:p14="http://schemas.microsoft.com/office/powerpoint/2010/main" Requires="p14">
+  <mc:AlternateContent xmlns:mc="http://schemas.openxmlformats.org/markup-compatibility/2006" xmlns:p14="http://schemas.microsoft.com/office/powerpoint/2010/main">
+    <mc:Choice Requires="p14">
       <p:transition spd="med" p14:dur="700">
         <p:fade/>
       </p:transition>
     </mc:Choice>
-    <mc:Fallback>
+    <mc:Fallback xmlns="">
       <p:transition spd="med">
         <p:fade/>
       </p:transition>
@@ -11166,10 +11244,10 @@
       </p:grpSpPr>
       <p:sp>
         <p:nvSpPr>
-          <p:cNvPr id="3" name="Content Placeholder 2">
+          <p:cNvPr id="2" name="Title 1">
             <a:extLst>
               <a:ext uri="{FF2B5EF4-FFF2-40B4-BE49-F238E27FC236}">
-                <a16:creationId xmlns:a16="http://schemas.microsoft.com/office/drawing/2014/main" id="{1D0DF534-5AA5-4A0D-A832-9EE99B07B09E}"/>
+                <a16:creationId xmlns:a16="http://schemas.microsoft.com/office/drawing/2014/main" id="{947758E4-22C0-43D2-B990-3317A43A01FE}"/>
               </a:ext>
             </a:extLst>
           </p:cNvPr>
@@ -11177,27 +11255,23 @@
             <a:spLocks noGrp="1"/>
           </p:cNvSpPr>
           <p:nvPr>
-            <p:ph idx="1"/>
+            <p:ph type="title"/>
           </p:nvPr>
         </p:nvSpPr>
         <p:spPr>
           <a:xfrm>
-            <a:off x="838200" y="1862880"/>
-            <a:ext cx="10515600" cy="783351"/>
+            <a:off x="838200" y="2766218"/>
+            <a:ext cx="10515600" cy="1325563"/>
           </a:xfrm>
         </p:spPr>
         <p:txBody>
-          <a:bodyPr>
-            <a:normAutofit/>
-          </a:bodyPr>
+          <a:bodyPr/>
           <a:lstStyle/>
           <a:p>
-            <a:pPr marL="0" indent="0" algn="ctr">
-              <a:buNone/>
-            </a:pPr>
-            <a:r>
-              <a:rPr lang="en-US" sz="3600" dirty="0"/>
-              <a:t>TDD is too Time Consuming</a:t>
+            <a:pPr algn="ctr"/>
+            <a:r>
+              <a:rPr lang="en-US" dirty="0"/>
+              <a:t>3. Easier to refactor and hand-over your code</a:t>
             </a:r>
           </a:p>
         </p:txBody>
@@ -11207,7 +11281,7 @@
           <p:cNvPr id="4" name="Date Placeholder 3">
             <a:extLst>
               <a:ext uri="{FF2B5EF4-FFF2-40B4-BE49-F238E27FC236}">
-                <a16:creationId xmlns:a16="http://schemas.microsoft.com/office/drawing/2014/main" id="{D9EB0DF9-F702-4C0D-BDAD-B57E19B6C035}"/>
+                <a16:creationId xmlns:a16="http://schemas.microsoft.com/office/drawing/2014/main" id="{A6C1B4A4-4D86-417E-8442-95C498093C67}"/>
               </a:ext>
             </a:extLst>
           </p:cNvPr>
@@ -11234,20 +11308,20 @@
     </p:spTree>
     <p:extLst>
       <p:ext uri="{BB962C8B-B14F-4D97-AF65-F5344CB8AC3E}">
-        <p14:creationId xmlns:p14="http://schemas.microsoft.com/office/powerpoint/2010/main" val="2523042492"/>
+        <p14:creationId xmlns:p14="http://schemas.microsoft.com/office/powerpoint/2010/main" val="3225521196"/>
       </p:ext>
     </p:extLst>
   </p:cSld>
   <p:clrMapOvr>
     <a:masterClrMapping/>
   </p:clrMapOvr>
-  <mc:AlternateContent xmlns:mc="http://schemas.openxmlformats.org/markup-compatibility/2006">
-    <mc:Choice xmlns:p14="http://schemas.microsoft.com/office/powerpoint/2010/main" Requires="p14">
+  <mc:AlternateContent xmlns:mc="http://schemas.openxmlformats.org/markup-compatibility/2006" xmlns:p14="http://schemas.microsoft.com/office/powerpoint/2010/main">
+    <mc:Choice Requires="p14">
       <p:transition spd="med" p14:dur="700">
         <p:fade/>
       </p:transition>
     </mc:Choice>
-    <mc:Fallback>
+    <mc:Fallback xmlns="">
       <p:transition spd="med">
         <p:fade/>
       </p:transition>
@@ -11275,10 +11349,10 @@
       </p:grpSpPr>
       <p:sp>
         <p:nvSpPr>
-          <p:cNvPr id="3" name="Content Placeholder 2">
+          <p:cNvPr id="2" name="Title 1">
             <a:extLst>
               <a:ext uri="{FF2B5EF4-FFF2-40B4-BE49-F238E27FC236}">
-                <a16:creationId xmlns:a16="http://schemas.microsoft.com/office/drawing/2014/main" id="{1D0DF534-5AA5-4A0D-A832-9EE99B07B09E}"/>
+                <a16:creationId xmlns:a16="http://schemas.microsoft.com/office/drawing/2014/main" id="{947758E4-22C0-43D2-B990-3317A43A01FE}"/>
               </a:ext>
             </a:extLst>
           </p:cNvPr>
@@ -11286,279 +11360,73 @@
             <a:spLocks noGrp="1"/>
           </p:cNvSpPr>
           <p:nvPr>
-            <p:ph idx="1"/>
+            <p:ph type="title"/>
           </p:nvPr>
         </p:nvSpPr>
         <p:spPr>
           <a:xfrm>
-            <a:off x="838200" y="1862880"/>
-            <a:ext cx="10515600" cy="783351"/>
+            <a:off x="838200" y="2766218"/>
+            <a:ext cx="10515600" cy="1325563"/>
           </a:xfrm>
         </p:spPr>
         <p:txBody>
-          <a:bodyPr>
-            <a:normAutofit/>
-          </a:bodyPr>
-          <a:lstStyle/>
-          <a:p>
-            <a:pPr marL="0" indent="0" algn="ctr">
-              <a:buNone/>
-            </a:pPr>
-            <a:r>
-              <a:rPr lang="en-US" sz="3600" strike="sngStrike" dirty="0"/>
-              <a:t>TDD is too Time Consuming</a:t>
-            </a:r>
-          </a:p>
-        </p:txBody>
-      </p:sp>
-      <p:sp>
-        <p:nvSpPr>
-          <p:cNvPr id="4" name="Date Placeholder 3">
-            <a:extLst>
-              <a:ext uri="{FF2B5EF4-FFF2-40B4-BE49-F238E27FC236}">
-                <a16:creationId xmlns:a16="http://schemas.microsoft.com/office/drawing/2014/main" id="{D9EB0DF9-F702-4C0D-BDAD-B57E19B6C035}"/>
-              </a:ext>
-            </a:extLst>
-          </p:cNvPr>
-          <p:cNvSpPr>
-            <a:spLocks noGrp="1"/>
-          </p:cNvSpPr>
-          <p:nvPr>
-            <p:ph type="dt" sz="half" idx="10"/>
-          </p:nvPr>
-        </p:nvSpPr>
-        <p:spPr/>
-        <p:txBody>
           <a:bodyPr/>
           <a:lstStyle/>
           <a:p>
+            <a:pPr algn="ctr"/>
+            <a:r>
+              <a:rPr lang="en-US" dirty="0"/>
+              <a:t>A few more…</a:t>
+            </a:r>
+          </a:p>
+        </p:txBody>
+      </p:sp>
+      <p:sp>
+        <p:nvSpPr>
+          <p:cNvPr id="4" name="Date Placeholder 3">
+            <a:extLst>
+              <a:ext uri="{FF2B5EF4-FFF2-40B4-BE49-F238E27FC236}">
+                <a16:creationId xmlns:a16="http://schemas.microsoft.com/office/drawing/2014/main" id="{A6C1B4A4-4D86-417E-8442-95C498093C67}"/>
+              </a:ext>
+            </a:extLst>
+          </p:cNvPr>
+          <p:cNvSpPr>
+            <a:spLocks noGrp="1"/>
+          </p:cNvSpPr>
+          <p:nvPr>
+            <p:ph type="dt" sz="half" idx="10"/>
+          </p:nvPr>
+        </p:nvSpPr>
+        <p:spPr/>
+        <p:txBody>
+          <a:bodyPr/>
+          <a:lstStyle/>
+          <a:p>
             <a:r>
               <a:rPr lang="de-DE"/>
               <a:t>@borzenko_lena</a:t>
             </a:r>
             <a:endParaRPr lang="en-DE" dirty="0"/>
-          </a:p>
-        </p:txBody>
-      </p:sp>
-      <p:sp>
-        <p:nvSpPr>
-          <p:cNvPr id="8" name="Content Placeholder 2">
-            <a:extLst>
-              <a:ext uri="{FF2B5EF4-FFF2-40B4-BE49-F238E27FC236}">
-                <a16:creationId xmlns:a16="http://schemas.microsoft.com/office/drawing/2014/main" id="{DBD427E0-B3E7-4C23-9EDB-13D760DCA01D}"/>
-              </a:ext>
-            </a:extLst>
-          </p:cNvPr>
-          <p:cNvSpPr txBox="1">
-            <a:spLocks/>
-          </p:cNvSpPr>
-          <p:nvPr/>
-        </p:nvSpPr>
-        <p:spPr>
-          <a:xfrm>
-            <a:off x="838200" y="3560118"/>
-            <a:ext cx="10515600" cy="783351"/>
-          </a:xfrm>
-          <a:prstGeom prst="rect">
-            <a:avLst/>
-          </a:prstGeom>
-        </p:spPr>
-        <p:txBody>
-          <a:bodyPr vert="horz" lIns="91440" tIns="45720" rIns="91440" bIns="45720" rtlCol="0">
-            <a:noAutofit/>
-          </a:bodyPr>
-          <a:lstStyle>
-            <a:lvl1pPr marL="228600" indent="-228600" algn="l" defTabSz="914400" rtl="0" eaLnBrk="1" latinLnBrk="0" hangingPunct="1">
-              <a:lnSpc>
-                <a:spcPct val="90000"/>
-              </a:lnSpc>
-              <a:spcBef>
-                <a:spcPts val="1000"/>
-              </a:spcBef>
-              <a:buFont typeface="Arial" panose="020B0604020202020204" pitchFamily="34" charset="0"/>
-              <a:buChar char="•"/>
-              <a:defRPr sz="2800" kern="1200">
-                <a:solidFill>
-                  <a:schemeClr val="tx1"/>
-                </a:solidFill>
-                <a:latin typeface="Courier New" panose="02070309020205020404" pitchFamily="49" charset="0"/>
-                <a:ea typeface="+mn-ea"/>
-                <a:cs typeface="Courier New" panose="02070309020205020404" pitchFamily="49" charset="0"/>
-              </a:defRPr>
-            </a:lvl1pPr>
-            <a:lvl2pPr marL="685800" indent="-228600" algn="l" defTabSz="914400" rtl="0" eaLnBrk="1" latinLnBrk="0" hangingPunct="1">
-              <a:lnSpc>
-                <a:spcPct val="90000"/>
-              </a:lnSpc>
-              <a:spcBef>
-                <a:spcPts val="500"/>
-              </a:spcBef>
-              <a:buFont typeface="Arial" panose="020B0604020202020204" pitchFamily="34" charset="0"/>
-              <a:buChar char="•"/>
-              <a:defRPr sz="2400" kern="1200">
-                <a:solidFill>
-                  <a:schemeClr val="tx1"/>
-                </a:solidFill>
-                <a:latin typeface="Courier New" panose="02070309020205020404" pitchFamily="49" charset="0"/>
-                <a:ea typeface="+mn-ea"/>
-                <a:cs typeface="Courier New" panose="02070309020205020404" pitchFamily="49" charset="0"/>
-              </a:defRPr>
-            </a:lvl2pPr>
-            <a:lvl3pPr marL="1143000" indent="-228600" algn="l" defTabSz="914400" rtl="0" eaLnBrk="1" latinLnBrk="0" hangingPunct="1">
-              <a:lnSpc>
-                <a:spcPct val="90000"/>
-              </a:lnSpc>
-              <a:spcBef>
-                <a:spcPts val="500"/>
-              </a:spcBef>
-              <a:buFont typeface="Arial" panose="020B0604020202020204" pitchFamily="34" charset="0"/>
-              <a:buChar char="•"/>
-              <a:defRPr sz="2000" kern="1200">
-                <a:solidFill>
-                  <a:schemeClr val="tx1"/>
-                </a:solidFill>
-                <a:latin typeface="Courier New" panose="02070309020205020404" pitchFamily="49" charset="0"/>
-                <a:ea typeface="+mn-ea"/>
-                <a:cs typeface="Courier New" panose="02070309020205020404" pitchFamily="49" charset="0"/>
-              </a:defRPr>
-            </a:lvl3pPr>
-            <a:lvl4pPr marL="1600200" indent="-228600" algn="l" defTabSz="914400" rtl="0" eaLnBrk="1" latinLnBrk="0" hangingPunct="1">
-              <a:lnSpc>
-                <a:spcPct val="90000"/>
-              </a:lnSpc>
-              <a:spcBef>
-                <a:spcPts val="500"/>
-              </a:spcBef>
-              <a:buFont typeface="Arial" panose="020B0604020202020204" pitchFamily="34" charset="0"/>
-              <a:buChar char="•"/>
-              <a:defRPr sz="1800" kern="1200">
-                <a:solidFill>
-                  <a:schemeClr val="tx1"/>
-                </a:solidFill>
-                <a:latin typeface="Courier New" panose="02070309020205020404" pitchFamily="49" charset="0"/>
-                <a:ea typeface="+mn-ea"/>
-                <a:cs typeface="Courier New" panose="02070309020205020404" pitchFamily="49" charset="0"/>
-              </a:defRPr>
-            </a:lvl4pPr>
-            <a:lvl5pPr marL="2057400" indent="-228600" algn="l" defTabSz="914400" rtl="0" eaLnBrk="1" latinLnBrk="0" hangingPunct="1">
-              <a:lnSpc>
-                <a:spcPct val="90000"/>
-              </a:lnSpc>
-              <a:spcBef>
-                <a:spcPts val="500"/>
-              </a:spcBef>
-              <a:buFont typeface="Arial" panose="020B0604020202020204" pitchFamily="34" charset="0"/>
-              <a:buChar char="•"/>
-              <a:defRPr sz="1800" kern="1200">
-                <a:solidFill>
-                  <a:schemeClr val="tx1"/>
-                </a:solidFill>
-                <a:latin typeface="Courier New" panose="02070309020205020404" pitchFamily="49" charset="0"/>
-                <a:ea typeface="+mn-ea"/>
-                <a:cs typeface="Courier New" panose="02070309020205020404" pitchFamily="49" charset="0"/>
-              </a:defRPr>
-            </a:lvl5pPr>
-            <a:lvl6pPr marL="2514600" indent="-228600" algn="l" defTabSz="914400" rtl="0" eaLnBrk="1" latinLnBrk="0" hangingPunct="1">
-              <a:lnSpc>
-                <a:spcPct val="90000"/>
-              </a:lnSpc>
-              <a:spcBef>
-                <a:spcPts val="500"/>
-              </a:spcBef>
-              <a:buFont typeface="Arial" panose="020B0604020202020204" pitchFamily="34" charset="0"/>
-              <a:buChar char="•"/>
-              <a:defRPr sz="1800" kern="1200">
-                <a:solidFill>
-                  <a:schemeClr val="tx1"/>
-                </a:solidFill>
-                <a:latin typeface="+mn-lt"/>
-                <a:ea typeface="+mn-ea"/>
-                <a:cs typeface="+mn-cs"/>
-              </a:defRPr>
-            </a:lvl6pPr>
-            <a:lvl7pPr marL="2971800" indent="-228600" algn="l" defTabSz="914400" rtl="0" eaLnBrk="1" latinLnBrk="0" hangingPunct="1">
-              <a:lnSpc>
-                <a:spcPct val="90000"/>
-              </a:lnSpc>
-              <a:spcBef>
-                <a:spcPts val="500"/>
-              </a:spcBef>
-              <a:buFont typeface="Arial" panose="020B0604020202020204" pitchFamily="34" charset="0"/>
-              <a:buChar char="•"/>
-              <a:defRPr sz="1800" kern="1200">
-                <a:solidFill>
-                  <a:schemeClr val="tx1"/>
-                </a:solidFill>
-                <a:latin typeface="+mn-lt"/>
-                <a:ea typeface="+mn-ea"/>
-                <a:cs typeface="+mn-cs"/>
-              </a:defRPr>
-            </a:lvl7pPr>
-            <a:lvl8pPr marL="3429000" indent="-228600" algn="l" defTabSz="914400" rtl="0" eaLnBrk="1" latinLnBrk="0" hangingPunct="1">
-              <a:lnSpc>
-                <a:spcPct val="90000"/>
-              </a:lnSpc>
-              <a:spcBef>
-                <a:spcPts val="500"/>
-              </a:spcBef>
-              <a:buFont typeface="Arial" panose="020B0604020202020204" pitchFamily="34" charset="0"/>
-              <a:buChar char="•"/>
-              <a:defRPr sz="1800" kern="1200">
-                <a:solidFill>
-                  <a:schemeClr val="tx1"/>
-                </a:solidFill>
-                <a:latin typeface="+mn-lt"/>
-                <a:ea typeface="+mn-ea"/>
-                <a:cs typeface="+mn-cs"/>
-              </a:defRPr>
-            </a:lvl8pPr>
-            <a:lvl9pPr marL="3886200" indent="-228600" algn="l" defTabSz="914400" rtl="0" eaLnBrk="1" latinLnBrk="0" hangingPunct="1">
-              <a:lnSpc>
-                <a:spcPct val="90000"/>
-              </a:lnSpc>
-              <a:spcBef>
-                <a:spcPts val="500"/>
-              </a:spcBef>
-              <a:buFont typeface="Arial" panose="020B0604020202020204" pitchFamily="34" charset="0"/>
-              <a:buChar char="•"/>
-              <a:defRPr sz="1800" kern="1200">
-                <a:solidFill>
-                  <a:schemeClr val="tx1"/>
-                </a:solidFill>
-                <a:latin typeface="+mn-lt"/>
-                <a:ea typeface="+mn-ea"/>
-                <a:cs typeface="+mn-cs"/>
-              </a:defRPr>
-            </a:lvl9pPr>
-          </a:lstStyle>
-          <a:p>
-            <a:pPr marL="0" indent="0" algn="ctr">
-              <a:buNone/>
-            </a:pPr>
-            <a:r>
-              <a:rPr lang="en-US" sz="3600" dirty="0"/>
-              <a:t>“Pre-release defect density of the four products decreased between 40% and 90%”</a:t>
-            </a:r>
           </a:p>
         </p:txBody>
       </p:sp>
     </p:spTree>
     <p:extLst>
       <p:ext uri="{BB962C8B-B14F-4D97-AF65-F5344CB8AC3E}">
-        <p14:creationId xmlns:p14="http://schemas.microsoft.com/office/powerpoint/2010/main" val="3624916935"/>
+        <p14:creationId xmlns:p14="http://schemas.microsoft.com/office/powerpoint/2010/main" val="3931571961"/>
       </p:ext>
     </p:extLst>
   </p:cSld>
   <p:clrMapOvr>
     <a:masterClrMapping/>
   </p:clrMapOvr>
-  <mc:AlternateContent xmlns:mc="http://schemas.openxmlformats.org/markup-compatibility/2006">
-    <mc:Choice xmlns:p14="http://schemas.microsoft.com/office/powerpoint/2010/main" Requires="p14">
+  <mc:AlternateContent xmlns:mc="http://schemas.openxmlformats.org/markup-compatibility/2006" xmlns:p14="http://schemas.microsoft.com/office/powerpoint/2010/main">
+    <mc:Choice Requires="p14">
       <p:transition spd="med" p14:dur="700">
         <p:fade/>
       </p:transition>
     </mc:Choice>
-    <mc:Fallback>
+    <mc:Fallback xmlns="">
       <p:transition spd="med">
         <p:fade/>
       </p:transition>
@@ -11617,7 +11485,7 @@
             </a:pPr>
             <a:r>
               <a:rPr lang="en-US" sz="3600" dirty="0"/>
-              <a:t>Red, Green, and ALWAYS Refactor?</a:t>
+              <a:t>TDD is too Time Consuming</a:t>
             </a:r>
           </a:p>
         </p:txBody>
@@ -11654,20 +11522,20 @@
     </p:spTree>
     <p:extLst>
       <p:ext uri="{BB962C8B-B14F-4D97-AF65-F5344CB8AC3E}">
-        <p14:creationId xmlns:p14="http://schemas.microsoft.com/office/powerpoint/2010/main" val="3874463190"/>
+        <p14:creationId xmlns:p14="http://schemas.microsoft.com/office/powerpoint/2010/main" val="2523042492"/>
       </p:ext>
     </p:extLst>
   </p:cSld>
   <p:clrMapOvr>
     <a:masterClrMapping/>
   </p:clrMapOvr>
-  <mc:AlternateContent xmlns:mc="http://schemas.openxmlformats.org/markup-compatibility/2006">
-    <mc:Choice xmlns:p14="http://schemas.microsoft.com/office/powerpoint/2010/main" Requires="p14">
+  <mc:AlternateContent xmlns:mc="http://schemas.openxmlformats.org/markup-compatibility/2006" xmlns:p14="http://schemas.microsoft.com/office/powerpoint/2010/main">
+    <mc:Choice Requires="p14">
       <p:transition spd="med" p14:dur="700">
         <p:fade/>
       </p:transition>
     </mc:Choice>
-    <mc:Fallback>
+    <mc:Fallback xmlns="">
       <p:transition spd="med">
         <p:fade/>
       </p:transition>
@@ -11726,7 +11594,7 @@
             </a:pPr>
             <a:r>
               <a:rPr lang="en-US" sz="3600" strike="sngStrike" dirty="0"/>
-              <a:t>Red, Green, and ALWAYS Refactor?</a:t>
+              <a:t>TDD is too Time Consuming</a:t>
             </a:r>
           </a:p>
         </p:txBody>
@@ -11957,7 +11825,7 @@
             </a:pPr>
             <a:r>
               <a:rPr lang="en-US" sz="3600" dirty="0"/>
-              <a:t>“Perfect is the enemy of good.”</a:t>
+              <a:t>“Pre-release defect density of the four products decreased between 40% and 90%”</a:t>
             </a:r>
           </a:p>
         </p:txBody>
@@ -11965,20 +11833,20 @@
     </p:spTree>
     <p:extLst>
       <p:ext uri="{BB962C8B-B14F-4D97-AF65-F5344CB8AC3E}">
-        <p14:creationId xmlns:p14="http://schemas.microsoft.com/office/powerpoint/2010/main" val="1235445183"/>
+        <p14:creationId xmlns:p14="http://schemas.microsoft.com/office/powerpoint/2010/main" val="3624916935"/>
       </p:ext>
     </p:extLst>
   </p:cSld>
   <p:clrMapOvr>
     <a:masterClrMapping/>
   </p:clrMapOvr>
-  <mc:AlternateContent xmlns:mc="http://schemas.openxmlformats.org/markup-compatibility/2006">
-    <mc:Choice xmlns:p14="http://schemas.microsoft.com/office/powerpoint/2010/main" Requires="p14">
+  <mc:AlternateContent xmlns:mc="http://schemas.openxmlformats.org/markup-compatibility/2006" xmlns:p14="http://schemas.microsoft.com/office/powerpoint/2010/main">
+    <mc:Choice Requires="p14">
       <p:transition spd="med" p14:dur="700">
         <p:fade/>
       </p:transition>
     </mc:Choice>
-    <mc:Fallback>
+    <mc:Fallback xmlns="">
       <p:transition spd="med">
         <p:fade/>
       </p:transition>
@@ -12037,7 +11905,7 @@
             </a:pPr>
             <a:r>
               <a:rPr lang="en-US" sz="3600" dirty="0"/>
-              <a:t>Simple code need no tests</a:t>
+              <a:t>Red, Green, and ALWAYS Refactor?</a:t>
             </a:r>
           </a:p>
         </p:txBody>
@@ -12074,20 +11942,20 @@
     </p:spTree>
     <p:extLst>
       <p:ext uri="{BB962C8B-B14F-4D97-AF65-F5344CB8AC3E}">
-        <p14:creationId xmlns:p14="http://schemas.microsoft.com/office/powerpoint/2010/main" val="1060671908"/>
+        <p14:creationId xmlns:p14="http://schemas.microsoft.com/office/powerpoint/2010/main" val="3874463190"/>
       </p:ext>
     </p:extLst>
   </p:cSld>
   <p:clrMapOvr>
     <a:masterClrMapping/>
   </p:clrMapOvr>
-  <mc:AlternateContent xmlns:mc="http://schemas.openxmlformats.org/markup-compatibility/2006">
-    <mc:Choice xmlns:p14="http://schemas.microsoft.com/office/powerpoint/2010/main" Requires="p14">
+  <mc:AlternateContent xmlns:mc="http://schemas.openxmlformats.org/markup-compatibility/2006" xmlns:p14="http://schemas.microsoft.com/office/powerpoint/2010/main">
+    <mc:Choice Requires="p14">
       <p:transition spd="med" p14:dur="700">
         <p:fade/>
       </p:transition>
     </mc:Choice>
-    <mc:Fallback>
+    <mc:Fallback xmlns="">
       <p:transition spd="med">
         <p:fade/>
       </p:transition>
@@ -12146,7 +12014,7 @@
             </a:pPr>
             <a:r>
               <a:rPr lang="en-US" sz="3600" strike="sngStrike" dirty="0"/>
-              <a:t>Simple code need no tests</a:t>
+              <a:t>Red, Green, and ALWAYS Refactor?</a:t>
             </a:r>
           </a:p>
         </p:txBody>
@@ -12377,7 +12245,7 @@
             </a:pPr>
             <a:r>
               <a:rPr lang="en-US" sz="3600" dirty="0"/>
-              <a:t>Tests are also the specification</a:t>
+              <a:t>“Perfect is the enemy of good.”</a:t>
             </a:r>
           </a:p>
         </p:txBody>
@@ -12385,20 +12253,20 @@
     </p:spTree>
     <p:extLst>
       <p:ext uri="{BB962C8B-B14F-4D97-AF65-F5344CB8AC3E}">
-        <p14:creationId xmlns:p14="http://schemas.microsoft.com/office/powerpoint/2010/main" val="1794091426"/>
+        <p14:creationId xmlns:p14="http://schemas.microsoft.com/office/powerpoint/2010/main" val="1235445183"/>
       </p:ext>
     </p:extLst>
   </p:cSld>
   <p:clrMapOvr>
     <a:masterClrMapping/>
   </p:clrMapOvr>
-  <mc:AlternateContent xmlns:mc="http://schemas.openxmlformats.org/markup-compatibility/2006">
-    <mc:Choice xmlns:p14="http://schemas.microsoft.com/office/powerpoint/2010/main" Requires="p14">
+  <mc:AlternateContent xmlns:mc="http://schemas.openxmlformats.org/markup-compatibility/2006" xmlns:p14="http://schemas.microsoft.com/office/powerpoint/2010/main">
+    <mc:Choice Requires="p14">
       <p:transition spd="med" p14:dur="700">
         <p:fade/>
       </p:transition>
     </mc:Choice>
-    <mc:Fallback>
+    <mc:Fallback xmlns="">
       <p:transition spd="med">
         <p:fade/>
       </p:transition>
@@ -12426,10 +12294,10 @@
       </p:grpSpPr>
       <p:sp>
         <p:nvSpPr>
-          <p:cNvPr id="2" name="Title 1">
+          <p:cNvPr id="3" name="Content Placeholder 2">
             <a:extLst>
               <a:ext uri="{FF2B5EF4-FFF2-40B4-BE49-F238E27FC236}">
-                <a16:creationId xmlns:a16="http://schemas.microsoft.com/office/drawing/2014/main" id="{E8B6386A-722E-2B4B-871D-0C2802760D1F}"/>
+                <a16:creationId xmlns:a16="http://schemas.microsoft.com/office/drawing/2014/main" id="{1D0DF534-5AA5-4A0D-A832-9EE99B07B09E}"/>
               </a:ext>
             </a:extLst>
           </p:cNvPr>
@@ -12437,13 +12305,13 @@
             <a:spLocks noGrp="1"/>
           </p:cNvSpPr>
           <p:nvPr>
-            <p:ph type="ctrTitle"/>
+            <p:ph idx="1"/>
           </p:nvPr>
         </p:nvSpPr>
         <p:spPr>
           <a:xfrm>
-            <a:off x="1242671" y="2528989"/>
-            <a:ext cx="9706657" cy="900011"/>
+            <a:off x="838200" y="1862880"/>
+            <a:ext cx="10515600" cy="783351"/>
           </a:xfrm>
         </p:spPr>
         <p:txBody>
@@ -12452,184 +12320,373 @@
           </a:bodyPr>
           <a:lstStyle/>
           <a:p>
-            <a:r>
-              <a:rPr lang="en-GB" sz="5400" dirty="0"/>
-              <a:t>TDD misconceptions </a:t>
-            </a:r>
-            <a:endParaRPr lang="en-DE" sz="5400" dirty="0"/>
-          </a:p>
-        </p:txBody>
-      </p:sp>
-      <p:sp>
-        <p:nvSpPr>
-          <p:cNvPr id="4" name="Rectangle 3">
+            <a:pPr marL="0" indent="0" algn="ctr">
+              <a:buNone/>
+            </a:pPr>
+            <a:r>
+              <a:rPr lang="en-US" sz="3600" dirty="0"/>
+              <a:t>Simple code need no tests</a:t>
+            </a:r>
+          </a:p>
+        </p:txBody>
+      </p:sp>
+      <p:sp>
+        <p:nvSpPr>
+          <p:cNvPr id="4" name="Date Placeholder 3">
             <a:extLst>
               <a:ext uri="{FF2B5EF4-FFF2-40B4-BE49-F238E27FC236}">
-                <a16:creationId xmlns:a16="http://schemas.microsoft.com/office/drawing/2014/main" id="{8790A556-EA96-EB45-BF48-ED5566F4D168}"/>
+                <a16:creationId xmlns:a16="http://schemas.microsoft.com/office/drawing/2014/main" id="{D9EB0DF9-F702-4C0D-BDAD-B57E19B6C035}"/>
               </a:ext>
             </a:extLst>
           </p:cNvPr>
-          <p:cNvSpPr/>
-          <p:nvPr/>
-        </p:nvSpPr>
-        <p:spPr>
-          <a:xfrm>
-            <a:off x="1524000" y="5024810"/>
-            <a:ext cx="2765501" cy="461665"/>
-          </a:xfrm>
-          <a:prstGeom prst="rect">
-            <a:avLst/>
-          </a:prstGeom>
-        </p:spPr>
-        <p:txBody>
-          <a:bodyPr wrap="none">
-            <a:spAutoFit/>
-          </a:bodyPr>
+          <p:cNvSpPr>
+            <a:spLocks noGrp="1"/>
+          </p:cNvSpPr>
+          <p:nvPr>
+            <p:ph type="dt" sz="half" idx="10"/>
+          </p:nvPr>
+        </p:nvSpPr>
+        <p:spPr/>
+        <p:txBody>
+          <a:bodyPr/>
           <a:lstStyle/>
           <a:p>
-            <a:pPr algn="ctr"/>
-            <a:r>
-              <a:rPr lang="en-GB" sz="2400" dirty="0">
-                <a:solidFill>
-                  <a:srgbClr val="FFFFFF"/>
-                </a:solidFill>
-                <a:effectLst/>
-                <a:latin typeface="Courier New" panose="02070309020205020404" pitchFamily="49" charset="0"/>
-              </a:rPr>
-              <a:t>Olena </a:t>
-            </a:r>
-            <a:r>
-              <a:rPr lang="en-GB" sz="2400" dirty="0" err="1">
-                <a:solidFill>
-                  <a:srgbClr val="FFFFFF"/>
-                </a:solidFill>
-                <a:effectLst/>
-                <a:latin typeface="Courier New" panose="02070309020205020404" pitchFamily="49" charset="0"/>
-              </a:rPr>
-              <a:t>Borzenko</a:t>
-            </a:r>
-            <a:endParaRPr lang="en-GB" sz="2400" dirty="0">
-              <a:solidFill>
-                <a:srgbClr val="FFFFFF"/>
-              </a:solidFill>
-              <a:effectLst/>
-              <a:latin typeface="Courier New" panose="02070309020205020404" pitchFamily="49" charset="0"/>
-            </a:endParaRPr>
-          </a:p>
-        </p:txBody>
-      </p:sp>
-      <p:sp>
-        <p:nvSpPr>
-          <p:cNvPr id="5" name="Rectangle 4">
-            <a:extLst>
-              <a:ext uri="{FF2B5EF4-FFF2-40B4-BE49-F238E27FC236}">
-                <a16:creationId xmlns:a16="http://schemas.microsoft.com/office/drawing/2014/main" id="{F67041F8-F3D2-8045-B075-50F17407143E}"/>
-              </a:ext>
-            </a:extLst>
-          </p:cNvPr>
-          <p:cNvSpPr/>
-          <p:nvPr/>
-        </p:nvSpPr>
-        <p:spPr>
-          <a:xfrm>
-            <a:off x="1523999" y="5486475"/>
-            <a:ext cx="2765501" cy="461665"/>
-          </a:xfrm>
-          <a:prstGeom prst="rect">
-            <a:avLst/>
-          </a:prstGeom>
-        </p:spPr>
-        <p:txBody>
-          <a:bodyPr wrap="none">
-            <a:spAutoFit/>
-          </a:bodyPr>
-          <a:lstStyle/>
-          <a:p>
-            <a:r>
-              <a:rPr lang="en-US" sz="2400" dirty="0">
-                <a:latin typeface="Courier New" panose="02070309020205020404" pitchFamily="49" charset="0"/>
-                <a:cs typeface="Courier New" panose="02070309020205020404" pitchFamily="49" charset="0"/>
-              </a:rPr>
-              <a:t>@</a:t>
-            </a:r>
-            <a:r>
-              <a:rPr lang="en-US" sz="2400" dirty="0" err="1">
-                <a:latin typeface="Courier New" panose="02070309020205020404" pitchFamily="49" charset="0"/>
-                <a:cs typeface="Courier New" panose="02070309020205020404" pitchFamily="49" charset="0"/>
-              </a:rPr>
-              <a:t>borzenko_lena</a:t>
-            </a:r>
-            <a:endParaRPr lang="en-US" sz="2400" dirty="0">
-              <a:latin typeface="Courier New" panose="02070309020205020404" pitchFamily="49" charset="0"/>
-              <a:cs typeface="Courier New" panose="02070309020205020404" pitchFamily="49" charset="0"/>
-            </a:endParaRPr>
-          </a:p>
-        </p:txBody>
-      </p:sp>
-      <p:pic>
-        <p:nvPicPr>
-          <p:cNvPr id="1028" name="Picture 4" descr="Teil der Adecco Group">
-            <a:extLst>
-              <a:ext uri="{FF2B5EF4-FFF2-40B4-BE49-F238E27FC236}">
-                <a16:creationId xmlns:a16="http://schemas.microsoft.com/office/drawing/2014/main" id="{19690FB7-A395-4775-BCC2-7C22E544C20E}"/>
-              </a:ext>
-            </a:extLst>
-          </p:cNvPr>
-          <p:cNvPicPr>
-            <a:picLocks noChangeAspect="1" noChangeArrowheads="1"/>
-          </p:cNvPicPr>
-          <p:nvPr/>
-        </p:nvPicPr>
-        <p:blipFill>
-          <a:blip r:embed="rId3">
-            <a:extLst>
-              <a:ext uri="{28A0092B-C50C-407E-A947-70E740481C1C}">
-                <a14:useLocalDpi xmlns:a14="http://schemas.microsoft.com/office/drawing/2010/main" val="0"/>
-              </a:ext>
-            </a:extLst>
-          </a:blip>
-          <a:srcRect/>
-          <a:stretch>
-            <a:fillRect/>
-          </a:stretch>
-        </p:blipFill>
-        <p:spPr bwMode="auto">
-          <a:xfrm>
-            <a:off x="8058831" y="4326954"/>
-            <a:ext cx="3171825" cy="1857375"/>
-          </a:xfrm>
-          <a:prstGeom prst="rect">
-            <a:avLst/>
-          </a:prstGeom>
-          <a:noFill/>
-          <a:extLst>
-            <a:ext uri="{909E8E84-426E-40DD-AFC4-6F175D3DCCD1}">
-              <a14:hiddenFill xmlns:a14="http://schemas.microsoft.com/office/drawing/2010/main">
-                <a:solidFill>
-                  <a:srgbClr val="FFFFFF"/>
-                </a:solidFill>
-              </a14:hiddenFill>
-            </a:ext>
-          </a:extLst>
-        </p:spPr>
-      </p:pic>
+            <a:r>
+              <a:rPr lang="de-DE"/>
+              <a:t>@borzenko_lena</a:t>
+            </a:r>
+            <a:endParaRPr lang="en-DE" dirty="0"/>
+          </a:p>
+        </p:txBody>
+      </p:sp>
     </p:spTree>
     <p:extLst>
       <p:ext uri="{BB962C8B-B14F-4D97-AF65-F5344CB8AC3E}">
-        <p14:creationId xmlns:p14="http://schemas.microsoft.com/office/powerpoint/2010/main" val="791697281"/>
+        <p14:creationId xmlns:p14="http://schemas.microsoft.com/office/powerpoint/2010/main" val="1060671908"/>
       </p:ext>
     </p:extLst>
   </p:cSld>
   <p:clrMapOvr>
     <a:masterClrMapping/>
   </p:clrMapOvr>
-  <mc:AlternateContent xmlns:mc="http://schemas.openxmlformats.org/markup-compatibility/2006">
-    <mc:Choice xmlns:p14="http://schemas.microsoft.com/office/powerpoint/2010/main" Requires="p14">
+  <mc:AlternateContent xmlns:mc="http://schemas.openxmlformats.org/markup-compatibility/2006" xmlns:p14="http://schemas.microsoft.com/office/powerpoint/2010/main">
+    <mc:Choice Requires="p14">
       <p:transition spd="med" p14:dur="700">
         <p:fade/>
       </p:transition>
     </mc:Choice>
-    <mc:Fallback>
+    <mc:Fallback xmlns="">
+      <p:transition spd="med">
+        <p:fade/>
+      </p:transition>
+    </mc:Fallback>
+  </mc:AlternateContent>
+</p:sld>
+</file>
+
+<file path=ppt/slides/slide29.xml><?xml version="1.0" encoding="utf-8"?>
+<p:sld xmlns:a="http://schemas.openxmlformats.org/drawingml/2006/main" xmlns:r="http://schemas.openxmlformats.org/officeDocument/2006/relationships" xmlns:p="http://schemas.openxmlformats.org/presentationml/2006/main">
+  <p:cSld>
+    <p:spTree>
+      <p:nvGrpSpPr>
+        <p:cNvPr id="1" name=""/>
+        <p:cNvGrpSpPr/>
+        <p:nvPr/>
+      </p:nvGrpSpPr>
+      <p:grpSpPr>
+        <a:xfrm>
+          <a:off x="0" y="0"/>
+          <a:ext cx="0" cy="0"/>
+          <a:chOff x="0" y="0"/>
+          <a:chExt cx="0" cy="0"/>
+        </a:xfrm>
+      </p:grpSpPr>
+      <p:sp>
+        <p:nvSpPr>
+          <p:cNvPr id="3" name="Content Placeholder 2">
+            <a:extLst>
+              <a:ext uri="{FF2B5EF4-FFF2-40B4-BE49-F238E27FC236}">
+                <a16:creationId xmlns:a16="http://schemas.microsoft.com/office/drawing/2014/main" id="{1D0DF534-5AA5-4A0D-A832-9EE99B07B09E}"/>
+              </a:ext>
+            </a:extLst>
+          </p:cNvPr>
+          <p:cNvSpPr>
+            <a:spLocks noGrp="1"/>
+          </p:cNvSpPr>
+          <p:nvPr>
+            <p:ph idx="1"/>
+          </p:nvPr>
+        </p:nvSpPr>
+        <p:spPr>
+          <a:xfrm>
+            <a:off x="838200" y="1862880"/>
+            <a:ext cx="10515600" cy="783351"/>
+          </a:xfrm>
+        </p:spPr>
+        <p:txBody>
+          <a:bodyPr>
+            <a:normAutofit/>
+          </a:bodyPr>
+          <a:lstStyle/>
+          <a:p>
+            <a:pPr marL="0" indent="0" algn="ctr">
+              <a:buNone/>
+            </a:pPr>
+            <a:r>
+              <a:rPr lang="en-US" sz="3600" strike="sngStrike" dirty="0"/>
+              <a:t>Simple code need no tests</a:t>
+            </a:r>
+          </a:p>
+        </p:txBody>
+      </p:sp>
+      <p:sp>
+        <p:nvSpPr>
+          <p:cNvPr id="4" name="Date Placeholder 3">
+            <a:extLst>
+              <a:ext uri="{FF2B5EF4-FFF2-40B4-BE49-F238E27FC236}">
+                <a16:creationId xmlns:a16="http://schemas.microsoft.com/office/drawing/2014/main" id="{D9EB0DF9-F702-4C0D-BDAD-B57E19B6C035}"/>
+              </a:ext>
+            </a:extLst>
+          </p:cNvPr>
+          <p:cNvSpPr>
+            <a:spLocks noGrp="1"/>
+          </p:cNvSpPr>
+          <p:nvPr>
+            <p:ph type="dt" sz="half" idx="10"/>
+          </p:nvPr>
+        </p:nvSpPr>
+        <p:spPr/>
+        <p:txBody>
+          <a:bodyPr/>
+          <a:lstStyle/>
+          <a:p>
+            <a:r>
+              <a:rPr lang="de-DE"/>
+              <a:t>@borzenko_lena</a:t>
+            </a:r>
+            <a:endParaRPr lang="en-DE" dirty="0"/>
+          </a:p>
+        </p:txBody>
+      </p:sp>
+      <p:sp>
+        <p:nvSpPr>
+          <p:cNvPr id="8" name="Content Placeholder 2">
+            <a:extLst>
+              <a:ext uri="{FF2B5EF4-FFF2-40B4-BE49-F238E27FC236}">
+                <a16:creationId xmlns:a16="http://schemas.microsoft.com/office/drawing/2014/main" id="{DBD427E0-B3E7-4C23-9EDB-13D760DCA01D}"/>
+              </a:ext>
+            </a:extLst>
+          </p:cNvPr>
+          <p:cNvSpPr txBox="1">
+            <a:spLocks/>
+          </p:cNvSpPr>
+          <p:nvPr/>
+        </p:nvSpPr>
+        <p:spPr>
+          <a:xfrm>
+            <a:off x="838200" y="3560118"/>
+            <a:ext cx="10515600" cy="783351"/>
+          </a:xfrm>
+          <a:prstGeom prst="rect">
+            <a:avLst/>
+          </a:prstGeom>
+        </p:spPr>
+        <p:txBody>
+          <a:bodyPr vert="horz" lIns="91440" tIns="45720" rIns="91440" bIns="45720" rtlCol="0">
+            <a:noAutofit/>
+          </a:bodyPr>
+          <a:lstStyle>
+            <a:lvl1pPr marL="228600" indent="-228600" algn="l" defTabSz="914400" rtl="0" eaLnBrk="1" latinLnBrk="0" hangingPunct="1">
+              <a:lnSpc>
+                <a:spcPct val="90000"/>
+              </a:lnSpc>
+              <a:spcBef>
+                <a:spcPts val="1000"/>
+              </a:spcBef>
+              <a:buFont typeface="Arial" panose="020B0604020202020204" pitchFamily="34" charset="0"/>
+              <a:buChar char="•"/>
+              <a:defRPr sz="2800" kern="1200">
+                <a:solidFill>
+                  <a:schemeClr val="tx1"/>
+                </a:solidFill>
+                <a:latin typeface="Courier New" panose="02070309020205020404" pitchFamily="49" charset="0"/>
+                <a:ea typeface="+mn-ea"/>
+                <a:cs typeface="Courier New" panose="02070309020205020404" pitchFamily="49" charset="0"/>
+              </a:defRPr>
+            </a:lvl1pPr>
+            <a:lvl2pPr marL="685800" indent="-228600" algn="l" defTabSz="914400" rtl="0" eaLnBrk="1" latinLnBrk="0" hangingPunct="1">
+              <a:lnSpc>
+                <a:spcPct val="90000"/>
+              </a:lnSpc>
+              <a:spcBef>
+                <a:spcPts val="500"/>
+              </a:spcBef>
+              <a:buFont typeface="Arial" panose="020B0604020202020204" pitchFamily="34" charset="0"/>
+              <a:buChar char="•"/>
+              <a:defRPr sz="2400" kern="1200">
+                <a:solidFill>
+                  <a:schemeClr val="tx1"/>
+                </a:solidFill>
+                <a:latin typeface="Courier New" panose="02070309020205020404" pitchFamily="49" charset="0"/>
+                <a:ea typeface="+mn-ea"/>
+                <a:cs typeface="Courier New" panose="02070309020205020404" pitchFamily="49" charset="0"/>
+              </a:defRPr>
+            </a:lvl2pPr>
+            <a:lvl3pPr marL="1143000" indent="-228600" algn="l" defTabSz="914400" rtl="0" eaLnBrk="1" latinLnBrk="0" hangingPunct="1">
+              <a:lnSpc>
+                <a:spcPct val="90000"/>
+              </a:lnSpc>
+              <a:spcBef>
+                <a:spcPts val="500"/>
+              </a:spcBef>
+              <a:buFont typeface="Arial" panose="020B0604020202020204" pitchFamily="34" charset="0"/>
+              <a:buChar char="•"/>
+              <a:defRPr sz="2000" kern="1200">
+                <a:solidFill>
+                  <a:schemeClr val="tx1"/>
+                </a:solidFill>
+                <a:latin typeface="Courier New" panose="02070309020205020404" pitchFamily="49" charset="0"/>
+                <a:ea typeface="+mn-ea"/>
+                <a:cs typeface="Courier New" panose="02070309020205020404" pitchFamily="49" charset="0"/>
+              </a:defRPr>
+            </a:lvl3pPr>
+            <a:lvl4pPr marL="1600200" indent="-228600" algn="l" defTabSz="914400" rtl="0" eaLnBrk="1" latinLnBrk="0" hangingPunct="1">
+              <a:lnSpc>
+                <a:spcPct val="90000"/>
+              </a:lnSpc>
+              <a:spcBef>
+                <a:spcPts val="500"/>
+              </a:spcBef>
+              <a:buFont typeface="Arial" panose="020B0604020202020204" pitchFamily="34" charset="0"/>
+              <a:buChar char="•"/>
+              <a:defRPr sz="1800" kern="1200">
+                <a:solidFill>
+                  <a:schemeClr val="tx1"/>
+                </a:solidFill>
+                <a:latin typeface="Courier New" panose="02070309020205020404" pitchFamily="49" charset="0"/>
+                <a:ea typeface="+mn-ea"/>
+                <a:cs typeface="Courier New" panose="02070309020205020404" pitchFamily="49" charset="0"/>
+              </a:defRPr>
+            </a:lvl4pPr>
+            <a:lvl5pPr marL="2057400" indent="-228600" algn="l" defTabSz="914400" rtl="0" eaLnBrk="1" latinLnBrk="0" hangingPunct="1">
+              <a:lnSpc>
+                <a:spcPct val="90000"/>
+              </a:lnSpc>
+              <a:spcBef>
+                <a:spcPts val="500"/>
+              </a:spcBef>
+              <a:buFont typeface="Arial" panose="020B0604020202020204" pitchFamily="34" charset="0"/>
+              <a:buChar char="•"/>
+              <a:defRPr sz="1800" kern="1200">
+                <a:solidFill>
+                  <a:schemeClr val="tx1"/>
+                </a:solidFill>
+                <a:latin typeface="Courier New" panose="02070309020205020404" pitchFamily="49" charset="0"/>
+                <a:ea typeface="+mn-ea"/>
+                <a:cs typeface="Courier New" panose="02070309020205020404" pitchFamily="49" charset="0"/>
+              </a:defRPr>
+            </a:lvl5pPr>
+            <a:lvl6pPr marL="2514600" indent="-228600" algn="l" defTabSz="914400" rtl="0" eaLnBrk="1" latinLnBrk="0" hangingPunct="1">
+              <a:lnSpc>
+                <a:spcPct val="90000"/>
+              </a:lnSpc>
+              <a:spcBef>
+                <a:spcPts val="500"/>
+              </a:spcBef>
+              <a:buFont typeface="Arial" panose="020B0604020202020204" pitchFamily="34" charset="0"/>
+              <a:buChar char="•"/>
+              <a:defRPr sz="1800" kern="1200">
+                <a:solidFill>
+                  <a:schemeClr val="tx1"/>
+                </a:solidFill>
+                <a:latin typeface="+mn-lt"/>
+                <a:ea typeface="+mn-ea"/>
+                <a:cs typeface="+mn-cs"/>
+              </a:defRPr>
+            </a:lvl6pPr>
+            <a:lvl7pPr marL="2971800" indent="-228600" algn="l" defTabSz="914400" rtl="0" eaLnBrk="1" latinLnBrk="0" hangingPunct="1">
+              <a:lnSpc>
+                <a:spcPct val="90000"/>
+              </a:lnSpc>
+              <a:spcBef>
+                <a:spcPts val="500"/>
+              </a:spcBef>
+              <a:buFont typeface="Arial" panose="020B0604020202020204" pitchFamily="34" charset="0"/>
+              <a:buChar char="•"/>
+              <a:defRPr sz="1800" kern="1200">
+                <a:solidFill>
+                  <a:schemeClr val="tx1"/>
+                </a:solidFill>
+                <a:latin typeface="+mn-lt"/>
+                <a:ea typeface="+mn-ea"/>
+                <a:cs typeface="+mn-cs"/>
+              </a:defRPr>
+            </a:lvl7pPr>
+            <a:lvl8pPr marL="3429000" indent="-228600" algn="l" defTabSz="914400" rtl="0" eaLnBrk="1" latinLnBrk="0" hangingPunct="1">
+              <a:lnSpc>
+                <a:spcPct val="90000"/>
+              </a:lnSpc>
+              <a:spcBef>
+                <a:spcPts val="500"/>
+              </a:spcBef>
+              <a:buFont typeface="Arial" panose="020B0604020202020204" pitchFamily="34" charset="0"/>
+              <a:buChar char="•"/>
+              <a:defRPr sz="1800" kern="1200">
+                <a:solidFill>
+                  <a:schemeClr val="tx1"/>
+                </a:solidFill>
+                <a:latin typeface="+mn-lt"/>
+                <a:ea typeface="+mn-ea"/>
+                <a:cs typeface="+mn-cs"/>
+              </a:defRPr>
+            </a:lvl8pPr>
+            <a:lvl9pPr marL="3886200" indent="-228600" algn="l" defTabSz="914400" rtl="0" eaLnBrk="1" latinLnBrk="0" hangingPunct="1">
+              <a:lnSpc>
+                <a:spcPct val="90000"/>
+              </a:lnSpc>
+              <a:spcBef>
+                <a:spcPts val="500"/>
+              </a:spcBef>
+              <a:buFont typeface="Arial" panose="020B0604020202020204" pitchFamily="34" charset="0"/>
+              <a:buChar char="•"/>
+              <a:defRPr sz="1800" kern="1200">
+                <a:solidFill>
+                  <a:schemeClr val="tx1"/>
+                </a:solidFill>
+                <a:latin typeface="+mn-lt"/>
+                <a:ea typeface="+mn-ea"/>
+                <a:cs typeface="+mn-cs"/>
+              </a:defRPr>
+            </a:lvl9pPr>
+          </a:lstStyle>
+          <a:p>
+            <a:pPr marL="0" indent="0" algn="ctr">
+              <a:buNone/>
+            </a:pPr>
+            <a:r>
+              <a:rPr lang="en-US" sz="3600" dirty="0"/>
+              <a:t>Tests are also the specification</a:t>
+            </a:r>
+          </a:p>
+        </p:txBody>
+      </p:sp>
+    </p:spTree>
+    <p:extLst>
+      <p:ext uri="{BB962C8B-B14F-4D97-AF65-F5344CB8AC3E}">
+        <p14:creationId xmlns:p14="http://schemas.microsoft.com/office/powerpoint/2010/main" val="1794091426"/>
+      </p:ext>
+    </p:extLst>
+  </p:cSld>
+  <p:clrMapOvr>
+    <a:masterClrMapping/>
+  </p:clrMapOvr>
+  <mc:AlternateContent xmlns:mc="http://schemas.openxmlformats.org/markup-compatibility/2006" xmlns:p14="http://schemas.microsoft.com/office/powerpoint/2010/main">
+    <mc:Choice Requires="p14">
+      <p:transition spd="med" p14:dur="700">
+        <p:fade/>
+      </p:transition>
+    </mc:Choice>
+    <mc:Fallback xmlns="">
       <p:transition spd="med">
         <p:fade/>
       </p:transition>
@@ -12724,13 +12781,275 @@
   <p:clrMapOvr>
     <a:masterClrMapping/>
   </p:clrMapOvr>
-  <mc:AlternateContent xmlns:mc="http://schemas.openxmlformats.org/markup-compatibility/2006">
-    <mc:Choice xmlns:p14="http://schemas.microsoft.com/office/powerpoint/2010/main" Requires="p14">
+  <mc:AlternateContent xmlns:mc="http://schemas.openxmlformats.org/markup-compatibility/2006" xmlns:p14="http://schemas.microsoft.com/office/powerpoint/2010/main">
+    <mc:Choice Requires="p14">
       <p:transition spd="med" p14:dur="700">
         <p:fade/>
       </p:transition>
     </mc:Choice>
-    <mc:Fallback>
+    <mc:Fallback xmlns="">
+      <p:transition spd="med">
+        <p:fade/>
+      </p:transition>
+    </mc:Fallback>
+  </mc:AlternateContent>
+</p:sld>
+</file>
+
+<file path=ppt/slides/slide30.xml><?xml version="1.0" encoding="utf-8"?>
+<p:sld xmlns:a="http://schemas.openxmlformats.org/drawingml/2006/main" xmlns:r="http://schemas.openxmlformats.org/officeDocument/2006/relationships" xmlns:p="http://schemas.openxmlformats.org/presentationml/2006/main">
+  <p:cSld>
+    <p:spTree>
+      <p:nvGrpSpPr>
+        <p:cNvPr id="1" name=""/>
+        <p:cNvGrpSpPr/>
+        <p:nvPr/>
+      </p:nvGrpSpPr>
+      <p:grpSpPr>
+        <a:xfrm>
+          <a:off x="0" y="0"/>
+          <a:ext cx="0" cy="0"/>
+          <a:chOff x="0" y="0"/>
+          <a:chExt cx="0" cy="0"/>
+        </a:xfrm>
+      </p:grpSpPr>
+      <p:sp>
+        <p:nvSpPr>
+          <p:cNvPr id="2" name="Title 1">
+            <a:extLst>
+              <a:ext uri="{FF2B5EF4-FFF2-40B4-BE49-F238E27FC236}">
+                <a16:creationId xmlns:a16="http://schemas.microsoft.com/office/drawing/2014/main" id="{E8B6386A-722E-2B4B-871D-0C2802760D1F}"/>
+              </a:ext>
+            </a:extLst>
+          </p:cNvPr>
+          <p:cNvSpPr>
+            <a:spLocks noGrp="1"/>
+          </p:cNvSpPr>
+          <p:nvPr>
+            <p:ph type="ctrTitle"/>
+          </p:nvPr>
+        </p:nvSpPr>
+        <p:spPr>
+          <a:xfrm>
+            <a:off x="1242671" y="1938680"/>
+            <a:ext cx="9706657" cy="900011"/>
+          </a:xfrm>
+        </p:spPr>
+        <p:txBody>
+          <a:bodyPr>
+            <a:normAutofit/>
+          </a:bodyPr>
+          <a:lstStyle/>
+          <a:p>
+            <a:r>
+              <a:rPr lang="en-GB" sz="5400" dirty="0"/>
+              <a:t>TDD misconceptions </a:t>
+            </a:r>
+            <a:endParaRPr lang="en-DE" sz="5400" dirty="0"/>
+          </a:p>
+        </p:txBody>
+      </p:sp>
+      <p:sp>
+        <p:nvSpPr>
+          <p:cNvPr id="4" name="Rectangle 3">
+            <a:extLst>
+              <a:ext uri="{FF2B5EF4-FFF2-40B4-BE49-F238E27FC236}">
+                <a16:creationId xmlns:a16="http://schemas.microsoft.com/office/drawing/2014/main" id="{8790A556-EA96-EB45-BF48-ED5566F4D168}"/>
+              </a:ext>
+            </a:extLst>
+          </p:cNvPr>
+          <p:cNvSpPr/>
+          <p:nvPr/>
+        </p:nvSpPr>
+        <p:spPr>
+          <a:xfrm>
+            <a:off x="784024" y="5059098"/>
+            <a:ext cx="3285601" cy="523220"/>
+          </a:xfrm>
+          <a:prstGeom prst="rect">
+            <a:avLst/>
+          </a:prstGeom>
+        </p:spPr>
+        <p:txBody>
+          <a:bodyPr wrap="square">
+            <a:spAutoFit/>
+          </a:bodyPr>
+          <a:lstStyle/>
+          <a:p>
+            <a:pPr algn="ctr"/>
+            <a:r>
+              <a:rPr lang="en-GB" sz="2800" dirty="0">
+                <a:solidFill>
+                  <a:srgbClr val="FFFFFF"/>
+                </a:solidFill>
+                <a:effectLst/>
+                <a:latin typeface="Courier New" panose="02070309020205020404" pitchFamily="49" charset="0"/>
+              </a:rPr>
+              <a:t>Olena </a:t>
+            </a:r>
+            <a:r>
+              <a:rPr lang="en-GB" sz="2800" dirty="0" err="1">
+                <a:solidFill>
+                  <a:srgbClr val="FFFFFF"/>
+                </a:solidFill>
+                <a:effectLst/>
+                <a:latin typeface="Courier New" panose="02070309020205020404" pitchFamily="49" charset="0"/>
+              </a:rPr>
+              <a:t>Borzenko</a:t>
+            </a:r>
+            <a:endParaRPr lang="en-GB" sz="2800" dirty="0">
+              <a:solidFill>
+                <a:srgbClr val="FFFFFF"/>
+              </a:solidFill>
+              <a:effectLst/>
+              <a:latin typeface="Courier New" panose="02070309020205020404" pitchFamily="49" charset="0"/>
+            </a:endParaRPr>
+          </a:p>
+        </p:txBody>
+      </p:sp>
+      <p:sp>
+        <p:nvSpPr>
+          <p:cNvPr id="5" name="Rectangle 4">
+            <a:extLst>
+              <a:ext uri="{FF2B5EF4-FFF2-40B4-BE49-F238E27FC236}">
+                <a16:creationId xmlns:a16="http://schemas.microsoft.com/office/drawing/2014/main" id="{F67041F8-F3D2-8045-B075-50F17407143E}"/>
+              </a:ext>
+            </a:extLst>
+          </p:cNvPr>
+          <p:cNvSpPr/>
+          <p:nvPr/>
+        </p:nvSpPr>
+        <p:spPr>
+          <a:xfrm>
+            <a:off x="7738800" y="5059098"/>
+            <a:ext cx="3285600" cy="523220"/>
+          </a:xfrm>
+          <a:prstGeom prst="rect">
+            <a:avLst/>
+          </a:prstGeom>
+        </p:spPr>
+        <p:txBody>
+          <a:bodyPr wrap="square">
+            <a:spAutoFit/>
+          </a:bodyPr>
+          <a:lstStyle/>
+          <a:p>
+            <a:r>
+              <a:rPr lang="en-US" sz="2800" dirty="0">
+                <a:latin typeface="Courier New" panose="02070309020205020404" pitchFamily="49" charset="0"/>
+                <a:cs typeface="Courier New" panose="02070309020205020404" pitchFamily="49" charset="0"/>
+              </a:rPr>
+              <a:t>@</a:t>
+            </a:r>
+            <a:r>
+              <a:rPr lang="en-US" sz="2800" dirty="0" err="1">
+                <a:latin typeface="Courier New" panose="02070309020205020404" pitchFamily="49" charset="0"/>
+                <a:cs typeface="Courier New" panose="02070309020205020404" pitchFamily="49" charset="0"/>
+              </a:rPr>
+              <a:t>borzenko_lena</a:t>
+            </a:r>
+            <a:endParaRPr lang="en-US" sz="2800" dirty="0">
+              <a:latin typeface="Courier New" panose="02070309020205020404" pitchFamily="49" charset="0"/>
+              <a:cs typeface="Courier New" panose="02070309020205020404" pitchFamily="49" charset="0"/>
+            </a:endParaRPr>
+          </a:p>
+        </p:txBody>
+      </p:sp>
+      <p:sp>
+        <p:nvSpPr>
+          <p:cNvPr id="6" name="Rectangle 5">
+            <a:extLst>
+              <a:ext uri="{FF2B5EF4-FFF2-40B4-BE49-F238E27FC236}">
+                <a16:creationId xmlns:a16="http://schemas.microsoft.com/office/drawing/2014/main" id="{C895DED6-3813-F54B-A76B-376D15B84374}"/>
+              </a:ext>
+            </a:extLst>
+          </p:cNvPr>
+          <p:cNvSpPr/>
+          <p:nvPr/>
+        </p:nvSpPr>
+        <p:spPr>
+          <a:xfrm>
+            <a:off x="4453199" y="3270693"/>
+            <a:ext cx="3285601" cy="707886"/>
+          </a:xfrm>
+          <a:prstGeom prst="rect">
+            <a:avLst/>
+          </a:prstGeom>
+        </p:spPr>
+        <p:txBody>
+          <a:bodyPr wrap="square">
+            <a:spAutoFit/>
+          </a:bodyPr>
+          <a:lstStyle/>
+          <a:p>
+            <a:pPr algn="ctr"/>
+            <a:r>
+              <a:rPr lang="en-GB" sz="4000" dirty="0">
+                <a:solidFill>
+                  <a:srgbClr val="FFFFFF"/>
+                </a:solidFill>
+                <a:effectLst/>
+                <a:latin typeface="Courier New" panose="02070309020205020404" pitchFamily="49" charset="0"/>
+              </a:rPr>
+              <a:t>Thank you!</a:t>
+            </a:r>
+          </a:p>
+        </p:txBody>
+      </p:sp>
+      <p:sp>
+        <p:nvSpPr>
+          <p:cNvPr id="3" name="Rectangle 2">
+            <a:extLst>
+              <a:ext uri="{FF2B5EF4-FFF2-40B4-BE49-F238E27FC236}">
+                <a16:creationId xmlns:a16="http://schemas.microsoft.com/office/drawing/2014/main" id="{432133F9-D314-9947-B467-DE94239E798E}"/>
+              </a:ext>
+            </a:extLst>
+          </p:cNvPr>
+          <p:cNvSpPr/>
+          <p:nvPr/>
+        </p:nvSpPr>
+        <p:spPr>
+          <a:xfrm>
+            <a:off x="7738800" y="5730681"/>
+            <a:ext cx="3836307" cy="523220"/>
+          </a:xfrm>
+          <a:prstGeom prst="rect">
+            <a:avLst/>
+          </a:prstGeom>
+        </p:spPr>
+        <p:txBody>
+          <a:bodyPr wrap="none">
+            <a:spAutoFit/>
+          </a:bodyPr>
+          <a:lstStyle/>
+          <a:p>
+            <a:r>
+              <a:rPr lang="en-DE" sz="2800" dirty="0">
+                <a:latin typeface="Courier New" panose="02070309020205020404" pitchFamily="49" charset="0"/>
+                <a:cs typeface="Courier New" panose="02070309020205020404" pitchFamily="49" charset="0"/>
+              </a:rPr>
+              <a:t>in/olena-borzenko</a:t>
+            </a:r>
+          </a:p>
+        </p:txBody>
+      </p:sp>
+    </p:spTree>
+    <p:extLst>
+      <p:ext uri="{BB962C8B-B14F-4D97-AF65-F5344CB8AC3E}">
+        <p14:creationId xmlns:p14="http://schemas.microsoft.com/office/powerpoint/2010/main" val="4254534540"/>
+      </p:ext>
+    </p:extLst>
+  </p:cSld>
+  <p:clrMapOvr>
+    <a:masterClrMapping/>
+  </p:clrMapOvr>
+  <mc:AlternateContent xmlns:mc="http://schemas.openxmlformats.org/markup-compatibility/2006" xmlns:p14="http://schemas.microsoft.com/office/powerpoint/2010/main">
+    <mc:Choice Requires="p14">
+      <p:transition spd="med" p14:dur="700">
+        <p:fade/>
+      </p:transition>
+    </mc:Choice>
+    <mc:Fallback xmlns="">
       <p:transition spd="med">
         <p:fade/>
       </p:transition>
@@ -12844,13 +13163,13 @@
   <p:clrMapOvr>
     <a:masterClrMapping/>
   </p:clrMapOvr>
-  <mc:AlternateContent xmlns:mc="http://schemas.openxmlformats.org/markup-compatibility/2006">
-    <mc:Choice xmlns:p14="http://schemas.microsoft.com/office/powerpoint/2010/main" Requires="p14">
+  <mc:AlternateContent xmlns:mc="http://schemas.openxmlformats.org/markup-compatibility/2006" xmlns:p14="http://schemas.microsoft.com/office/powerpoint/2010/main">
+    <mc:Choice Requires="p14">
       <p:transition spd="med" p14:dur="700">
         <p:fade/>
       </p:transition>
     </mc:Choice>
-    <mc:Fallback>
+    <mc:Fallback xmlns="">
       <p:transition spd="med">
         <p:fade/>
       </p:transition>
@@ -13511,13 +13830,13 @@
   <p:clrMapOvr>
     <a:masterClrMapping/>
   </p:clrMapOvr>
-  <mc:AlternateContent xmlns:mc="http://schemas.openxmlformats.org/markup-compatibility/2006">
-    <mc:Choice xmlns:p14="http://schemas.microsoft.com/office/powerpoint/2010/main" Requires="p14">
+  <mc:AlternateContent xmlns:mc="http://schemas.openxmlformats.org/markup-compatibility/2006" xmlns:p14="http://schemas.microsoft.com/office/powerpoint/2010/main">
+    <mc:Choice Requires="p14">
       <p:transition spd="med" p14:dur="700">
         <p:fade/>
       </p:transition>
     </mc:Choice>
-    <mc:Fallback>
+    <mc:Fallback xmlns="">
       <p:transition spd="med">
         <p:fade/>
       </p:transition>
@@ -13627,13 +13946,13 @@
   <p:clrMapOvr>
     <a:masterClrMapping/>
   </p:clrMapOvr>
-  <mc:AlternateContent xmlns:mc="http://schemas.openxmlformats.org/markup-compatibility/2006">
-    <mc:Choice xmlns:p14="http://schemas.microsoft.com/office/powerpoint/2010/main" Requires="p14">
+  <mc:AlternateContent xmlns:mc="http://schemas.openxmlformats.org/markup-compatibility/2006" xmlns:p14="http://schemas.microsoft.com/office/powerpoint/2010/main">
+    <mc:Choice Requires="p14">
       <p:transition spd="med" p14:dur="700">
         <p:fade/>
       </p:transition>
     </mc:Choice>
-    <mc:Fallback>
+    <mc:Fallback xmlns="">
       <p:transition spd="med">
         <p:fade/>
       </p:transition>
@@ -14157,13 +14476,13 @@
   <p:clrMapOvr>
     <a:masterClrMapping/>
   </p:clrMapOvr>
-  <mc:AlternateContent xmlns:mc="http://schemas.openxmlformats.org/markup-compatibility/2006">
-    <mc:Choice xmlns:p14="http://schemas.microsoft.com/office/powerpoint/2010/main" Requires="p14">
+  <mc:AlternateContent xmlns:mc="http://schemas.openxmlformats.org/markup-compatibility/2006" xmlns:p14="http://schemas.microsoft.com/office/powerpoint/2010/main">
+    <mc:Choice Requires="p14">
       <p:transition spd="med" p14:dur="700">
         <p:fade/>
       </p:transition>
     </mc:Choice>
-    <mc:Fallback>
+    <mc:Fallback xmlns="">
       <p:transition spd="med">
         <p:fade/>
       </p:transition>
@@ -14377,6 +14696,124 @@
 <file path=ppt/slides/slide8.xml><?xml version="1.0" encoding="utf-8"?>
 <p:sld xmlns:a="http://schemas.openxmlformats.org/drawingml/2006/main" xmlns:r="http://schemas.openxmlformats.org/officeDocument/2006/relationships" xmlns:p="http://schemas.openxmlformats.org/presentationml/2006/main">
   <p:cSld>
+    <p:spTree>
+      <p:nvGrpSpPr>
+        <p:cNvPr id="1" name=""/>
+        <p:cNvGrpSpPr/>
+        <p:nvPr/>
+      </p:nvGrpSpPr>
+      <p:grpSpPr>
+        <a:xfrm>
+          <a:off x="0" y="0"/>
+          <a:ext cx="0" cy="0"/>
+          <a:chOff x="0" y="0"/>
+          <a:chExt cx="0" cy="0"/>
+        </a:xfrm>
+      </p:grpSpPr>
+      <p:sp>
+        <p:nvSpPr>
+          <p:cNvPr id="4" name="Date Placeholder 3">
+            <a:extLst>
+              <a:ext uri="{FF2B5EF4-FFF2-40B4-BE49-F238E27FC236}">
+                <a16:creationId xmlns:a16="http://schemas.microsoft.com/office/drawing/2014/main" id="{AD69F878-1ECE-434D-90B4-4B1293DB98DB}"/>
+              </a:ext>
+            </a:extLst>
+          </p:cNvPr>
+          <p:cNvSpPr>
+            <a:spLocks noGrp="1"/>
+          </p:cNvSpPr>
+          <p:nvPr>
+            <p:ph type="dt" sz="half" idx="10"/>
+          </p:nvPr>
+        </p:nvSpPr>
+        <p:spPr/>
+        <p:txBody>
+          <a:bodyPr/>
+          <a:lstStyle/>
+          <a:p>
+            <a:r>
+              <a:rPr lang="de-DE"/>
+              <a:t>@borzenko_lena</a:t>
+            </a:r>
+            <a:endParaRPr lang="en-DE" dirty="0"/>
+          </a:p>
+        </p:txBody>
+      </p:sp>
+      <p:pic>
+        <p:nvPicPr>
+          <p:cNvPr id="1026" name="Picture 2" descr="The Debugging Strategies of a Junior Developer | Programmer Humor Meme on  awwmemes.com">
+            <a:extLst>
+              <a:ext uri="{FF2B5EF4-FFF2-40B4-BE49-F238E27FC236}">
+                <a16:creationId xmlns:a16="http://schemas.microsoft.com/office/drawing/2014/main" id="{B59D6014-7D5E-2741-9F67-A1F6C0561D1E}"/>
+              </a:ext>
+            </a:extLst>
+          </p:cNvPr>
+          <p:cNvPicPr>
+            <a:picLocks noChangeAspect="1" noChangeArrowheads="1"/>
+          </p:cNvPicPr>
+          <p:nvPr/>
+        </p:nvPicPr>
+        <p:blipFill>
+          <a:blip r:embed="rId2">
+            <a:extLst>
+              <a:ext uri="{28A0092B-C50C-407E-A947-70E740481C1C}">
+                <a14:useLocalDpi xmlns:a14="http://schemas.microsoft.com/office/drawing/2010/main" val="0"/>
+              </a:ext>
+            </a:extLst>
+          </a:blip>
+          <a:srcRect/>
+          <a:stretch>
+            <a:fillRect/>
+          </a:stretch>
+        </p:blipFill>
+        <p:spPr bwMode="auto">
+          <a:xfrm>
+            <a:off x="2921000" y="431800"/>
+            <a:ext cx="6350000" cy="5994400"/>
+          </a:xfrm>
+          <a:prstGeom prst="rect">
+            <a:avLst/>
+          </a:prstGeom>
+          <a:noFill/>
+          <a:extLst>
+            <a:ext uri="{909E8E84-426E-40DD-AFC4-6F175D3DCCD1}">
+              <a14:hiddenFill xmlns:a14="http://schemas.microsoft.com/office/drawing/2010/main">
+                <a:solidFill>
+                  <a:srgbClr val="FFFFFF"/>
+                </a:solidFill>
+              </a14:hiddenFill>
+            </a:ext>
+          </a:extLst>
+        </p:spPr>
+      </p:pic>
+    </p:spTree>
+    <p:extLst>
+      <p:ext uri="{BB962C8B-B14F-4D97-AF65-F5344CB8AC3E}">
+        <p14:creationId xmlns:p14="http://schemas.microsoft.com/office/powerpoint/2010/main" val="1718543290"/>
+      </p:ext>
+    </p:extLst>
+  </p:cSld>
+  <p:clrMapOvr>
+    <a:masterClrMapping/>
+  </p:clrMapOvr>
+  <mc:AlternateContent xmlns:mc="http://schemas.openxmlformats.org/markup-compatibility/2006">
+    <mc:Choice xmlns:p14="http://schemas.microsoft.com/office/powerpoint/2010/main" Requires="p14">
+      <p:transition spd="med" p14:dur="700">
+        <p:fade/>
+      </p:transition>
+    </mc:Choice>
+    <mc:Fallback>
+      <p:transition spd="med">
+        <p:fade/>
+      </p:transition>
+    </mc:Fallback>
+  </mc:AlternateContent>
+</p:sld>
+</file>
+
+<file path=ppt/slides/slide9.xml><?xml version="1.0" encoding="utf-8"?>
+<p:sld xmlns:a="http://schemas.openxmlformats.org/drawingml/2006/main" xmlns:r="http://schemas.openxmlformats.org/officeDocument/2006/relationships" xmlns:p="http://schemas.openxmlformats.org/presentationml/2006/main">
+  <p:cSld>
     <p:bg>
       <p:bgPr>
         <a:solidFill>
@@ -15117,131 +15554,13 @@
   <p:clrMapOvr>
     <a:masterClrMapping/>
   </p:clrMapOvr>
-  <mc:AlternateContent xmlns:mc="http://schemas.openxmlformats.org/markup-compatibility/2006">
-    <mc:Choice xmlns:p14="http://schemas.microsoft.com/office/powerpoint/2010/main" Requires="p14">
+  <mc:AlternateContent xmlns:mc="http://schemas.openxmlformats.org/markup-compatibility/2006" xmlns:p14="http://schemas.microsoft.com/office/powerpoint/2010/main">
+    <mc:Choice Requires="p14">
       <p:transition spd="med" p14:dur="700">
         <p:fade/>
       </p:transition>
     </mc:Choice>
-    <mc:Fallback>
-      <p:transition spd="med">
-        <p:fade/>
-      </p:transition>
-    </mc:Fallback>
-  </mc:AlternateContent>
-</p:sld>
-</file>
-
-<file path=ppt/slides/slide9.xml><?xml version="1.0" encoding="utf-8"?>
-<p:sld xmlns:a="http://schemas.openxmlformats.org/drawingml/2006/main" xmlns:r="http://schemas.openxmlformats.org/officeDocument/2006/relationships" xmlns:p="http://schemas.openxmlformats.org/presentationml/2006/main">
-  <p:cSld>
-    <p:spTree>
-      <p:nvGrpSpPr>
-        <p:cNvPr id="1" name=""/>
-        <p:cNvGrpSpPr/>
-        <p:nvPr/>
-      </p:nvGrpSpPr>
-      <p:grpSpPr>
-        <a:xfrm>
-          <a:off x="0" y="0"/>
-          <a:ext cx="0" cy="0"/>
-          <a:chOff x="0" y="0"/>
-          <a:chExt cx="0" cy="0"/>
-        </a:xfrm>
-      </p:grpSpPr>
-      <p:sp>
-        <p:nvSpPr>
-          <p:cNvPr id="4" name="Date Placeholder 3">
-            <a:extLst>
-              <a:ext uri="{FF2B5EF4-FFF2-40B4-BE49-F238E27FC236}">
-                <a16:creationId xmlns:a16="http://schemas.microsoft.com/office/drawing/2014/main" id="{E9147864-77D7-4564-9957-AEED5EF16DF2}"/>
-              </a:ext>
-            </a:extLst>
-          </p:cNvPr>
-          <p:cNvSpPr>
-            <a:spLocks noGrp="1"/>
-          </p:cNvSpPr>
-          <p:nvPr>
-            <p:ph type="dt" sz="half" idx="10"/>
-          </p:nvPr>
-        </p:nvSpPr>
-        <p:spPr/>
-        <p:txBody>
-          <a:bodyPr/>
-          <a:lstStyle/>
-          <a:p>
-            <a:r>
-              <a:rPr lang="de-DE"/>
-              <a:t>@borzenko_lena</a:t>
-            </a:r>
-            <a:endParaRPr lang="en-DE" dirty="0"/>
-          </a:p>
-        </p:txBody>
-      </p:sp>
-      <p:pic>
-        <p:nvPicPr>
-          <p:cNvPr id="1026" name="Picture 2" descr="Memecrunch: The best meme generator | New">
-            <a:extLst>
-              <a:ext uri="{FF2B5EF4-FFF2-40B4-BE49-F238E27FC236}">
-                <a16:creationId xmlns:a16="http://schemas.microsoft.com/office/drawing/2014/main" id="{0CE7E5DF-644B-4451-892E-9FD3BE75D0A5}"/>
-              </a:ext>
-            </a:extLst>
-          </p:cNvPr>
-          <p:cNvPicPr>
-            <a:picLocks noChangeAspect="1" noChangeArrowheads="1"/>
-          </p:cNvPicPr>
-          <p:nvPr/>
-        </p:nvPicPr>
-        <p:blipFill>
-          <a:blip r:embed="rId2">
-            <a:extLst>
-              <a:ext uri="{28A0092B-C50C-407E-A947-70E740481C1C}">
-                <a14:useLocalDpi xmlns:a14="http://schemas.microsoft.com/office/drawing/2010/main" val="0"/>
-              </a:ext>
-            </a:extLst>
-          </a:blip>
-          <a:srcRect/>
-          <a:stretch>
-            <a:fillRect/>
-          </a:stretch>
-        </p:blipFill>
-        <p:spPr bwMode="auto">
-          <a:xfrm>
-            <a:off x="3314612" y="647612"/>
-            <a:ext cx="5562776" cy="5562776"/>
-          </a:xfrm>
-          <a:prstGeom prst="rect">
-            <a:avLst/>
-          </a:prstGeom>
-          <a:noFill/>
-          <a:extLst>
-            <a:ext uri="{909E8E84-426E-40DD-AFC4-6F175D3DCCD1}">
-              <a14:hiddenFill xmlns:a14="http://schemas.microsoft.com/office/drawing/2010/main">
-                <a:solidFill>
-                  <a:srgbClr val="FFFFFF"/>
-                </a:solidFill>
-              </a14:hiddenFill>
-            </a:ext>
-          </a:extLst>
-        </p:spPr>
-      </p:pic>
-    </p:spTree>
-    <p:extLst>
-      <p:ext uri="{BB962C8B-B14F-4D97-AF65-F5344CB8AC3E}">
-        <p14:creationId xmlns:p14="http://schemas.microsoft.com/office/powerpoint/2010/main" val="4026127797"/>
-      </p:ext>
-    </p:extLst>
-  </p:cSld>
-  <p:clrMapOvr>
-    <a:masterClrMapping/>
-  </p:clrMapOvr>
-  <mc:AlternateContent xmlns:mc="http://schemas.openxmlformats.org/markup-compatibility/2006">
-    <mc:Choice xmlns:p14="http://schemas.microsoft.com/office/powerpoint/2010/main" Requires="p14">
-      <p:transition spd="med" p14:dur="700">
-        <p:fade/>
-      </p:transition>
-    </mc:Choice>
-    <mc:Fallback>
+    <mc:Fallback xmlns="">
       <p:transition spd="med">
         <p:fade/>
       </p:transition>
